--- a/Activity和Service.pptx
+++ b/Activity和Service.pptx
@@ -5,35 +5,37 @@
     <p:sldMasterId id="2147483648" r:id="rId1"/>
   </p:sldMasterIdLst>
   <p:sldIdLst>
-    <p:sldId id="256" r:id="rId3"/>
-    <p:sldId id="270" r:id="rId4"/>
-    <p:sldId id="289" r:id="rId5"/>
-    <p:sldId id="290" r:id="rId6"/>
-    <p:sldId id="293" r:id="rId7"/>
-    <p:sldId id="294" r:id="rId8"/>
-    <p:sldId id="295" r:id="rId9"/>
-    <p:sldId id="296" r:id="rId10"/>
-    <p:sldId id="297" r:id="rId11"/>
-    <p:sldId id="298" r:id="rId12"/>
-    <p:sldId id="300" r:id="rId13"/>
-    <p:sldId id="301" r:id="rId14"/>
-    <p:sldId id="302" r:id="rId15"/>
-    <p:sldId id="303" r:id="rId16"/>
-    <p:sldId id="299" r:id="rId17"/>
-    <p:sldId id="304" r:id="rId18"/>
-    <p:sldId id="312" r:id="rId19"/>
-    <p:sldId id="309" r:id="rId20"/>
-    <p:sldId id="313" r:id="rId21"/>
-    <p:sldId id="291" r:id="rId22"/>
-    <p:sldId id="314" r:id="rId23"/>
-    <p:sldId id="316" r:id="rId24"/>
-    <p:sldId id="317" r:id="rId25"/>
-    <p:sldId id="318" r:id="rId26"/>
-    <p:sldId id="319" r:id="rId27"/>
-    <p:sldId id="320" r:id="rId28"/>
-    <p:sldId id="321" r:id="rId29"/>
-    <p:sldId id="322" r:id="rId30"/>
-    <p:sldId id="323" r:id="rId31"/>
+    <p:sldId id="256" r:id="rId2"/>
+    <p:sldId id="270" r:id="rId3"/>
+    <p:sldId id="289" r:id="rId4"/>
+    <p:sldId id="290" r:id="rId5"/>
+    <p:sldId id="293" r:id="rId6"/>
+    <p:sldId id="294" r:id="rId7"/>
+    <p:sldId id="295" r:id="rId8"/>
+    <p:sldId id="296" r:id="rId9"/>
+    <p:sldId id="297" r:id="rId10"/>
+    <p:sldId id="298" r:id="rId11"/>
+    <p:sldId id="300" r:id="rId12"/>
+    <p:sldId id="301" r:id="rId13"/>
+    <p:sldId id="302" r:id="rId14"/>
+    <p:sldId id="303" r:id="rId15"/>
+    <p:sldId id="299" r:id="rId16"/>
+    <p:sldId id="304" r:id="rId17"/>
+    <p:sldId id="312" r:id="rId18"/>
+    <p:sldId id="309" r:id="rId19"/>
+    <p:sldId id="313" r:id="rId20"/>
+    <p:sldId id="324" r:id="rId21"/>
+    <p:sldId id="325" r:id="rId22"/>
+    <p:sldId id="291" r:id="rId23"/>
+    <p:sldId id="314" r:id="rId24"/>
+    <p:sldId id="316" r:id="rId25"/>
+    <p:sldId id="317" r:id="rId26"/>
+    <p:sldId id="318" r:id="rId27"/>
+    <p:sldId id="319" r:id="rId28"/>
+    <p:sldId id="320" r:id="rId29"/>
+    <p:sldId id="321" r:id="rId30"/>
+    <p:sldId id="322" r:id="rId31"/>
+    <p:sldId id="323" r:id="rId32"/>
   </p:sldIdLst>
   <p:sldSz cx="9144000" cy="6858000" type="screen4x3"/>
   <p:notesSz cx="6858000" cy="9144000"/>
@@ -132,11 +134,27 @@
       </a:defRPr>
     </a:lvl9pPr>
   </p:defaultTextStyle>
+  <p:extLst>
+    <p:ext uri="{EFAFB233-063F-42B5-8137-9DF3F51BA10A}">
+      <p15:sldGuideLst xmlns:p15="http://schemas.microsoft.com/office/powerpoint/2012/main">
+        <p15:guide id="1" orient="horz" pos="2160">
+          <p15:clr>
+            <a:srgbClr val="A4A3A4"/>
+          </p15:clr>
+        </p15:guide>
+        <p15:guide id="2" pos="2880">
+          <p15:clr>
+            <a:srgbClr val="A4A3A4"/>
+          </p15:clr>
+        </p15:guide>
+      </p15:sldGuideLst>
+    </p:ext>
+  </p:extLst>
 </p:presentation>
 </file>
 
 <file path=ppt/slideLayouts/slideLayout1.xml><?xml version="1.0" encoding="utf-8"?>
-<p:sldLayout xmlns:a="http://schemas.openxmlformats.org/drawingml/2006/main" xmlns:r="http://schemas.openxmlformats.org/officeDocument/2006/relationships" xmlns:p="http://schemas.openxmlformats.org/presentationml/2006/main" type="title" preserve="1" showMasterSp="0">
+<p:sldLayout xmlns:a="http://schemas.openxmlformats.org/drawingml/2006/main" xmlns:r="http://schemas.openxmlformats.org/officeDocument/2006/relationships" xmlns:p="http://schemas.openxmlformats.org/presentationml/2006/main" showMasterSp="0" type="title" preserve="1">
   <p:cSld name="标题幻灯片">
     <p:bg>
       <p:bgPr>
@@ -303,6 +321,7 @@
           <a:p>
             <a:fld id="{530820CF-B880-4189-942D-D702A7CBA730}" type="datetimeFigureOut">
               <a:rPr lang="zh-CN" altLang="en-US" smtClean="0"/>
+              <a:t>2017/6/7</a:t>
             </a:fld>
             <a:endParaRPr lang="zh-CN" altLang="en-US"/>
           </a:p>
@@ -340,6 +359,7 @@
           <a:p>
             <a:fld id="{0C913308-F349-4B6D-A68A-DD1791B4A57B}" type="slidenum">
               <a:rPr lang="zh-CN" altLang="en-US" smtClean="0"/>
+              <a:t>‹#›</a:t>
             </a:fld>
             <a:endParaRPr lang="zh-CN" altLang="en-US"/>
           </a:p>
@@ -413,7 +433,6 @@
               <a:rPr lang="zh-CN" altLang="en-US" smtClean="0"/>
               <a:t>单击此处编辑母版文本样式</a:t>
             </a:r>
-            <a:endParaRPr lang="zh-CN" altLang="en-US" smtClean="0"/>
           </a:p>
           <a:p>
             <a:pPr lvl="1"/>
@@ -421,7 +440,6 @@
               <a:rPr lang="zh-CN" altLang="en-US" smtClean="0"/>
               <a:t>第二级</a:t>
             </a:r>
-            <a:endParaRPr lang="zh-CN" altLang="en-US" smtClean="0"/>
           </a:p>
           <a:p>
             <a:pPr lvl="2"/>
@@ -429,7 +447,6 @@
               <a:rPr lang="zh-CN" altLang="en-US" smtClean="0"/>
               <a:t>第三级</a:t>
             </a:r>
-            <a:endParaRPr lang="zh-CN" altLang="en-US" smtClean="0"/>
           </a:p>
           <a:p>
             <a:pPr lvl="3"/>
@@ -437,7 +454,6 @@
               <a:rPr lang="zh-CN" altLang="en-US" smtClean="0"/>
               <a:t>第四级</a:t>
             </a:r>
-            <a:endParaRPr lang="zh-CN" altLang="en-US" smtClean="0"/>
           </a:p>
           <a:p>
             <a:pPr lvl="4"/>
@@ -470,6 +486,7 @@
           <a:p>
             <a:fld id="{0C913308-F349-4B6D-A68A-DD1791B4A57B}" type="slidenum">
               <a:rPr lang="zh-CN" altLang="en-US" smtClean="0"/>
+              <a:t>‹#›</a:t>
             </a:fld>
             <a:endParaRPr lang="zh-CN" altLang="en-US"/>
           </a:p>
@@ -553,7 +570,6 @@
               <a:rPr lang="zh-CN" altLang="en-US" smtClean="0"/>
               <a:t>单击此处编辑母版文本样式</a:t>
             </a:r>
-            <a:endParaRPr lang="zh-CN" altLang="en-US" smtClean="0"/>
           </a:p>
           <a:p>
             <a:pPr lvl="1"/>
@@ -561,7 +577,6 @@
               <a:rPr lang="zh-CN" altLang="en-US" smtClean="0"/>
               <a:t>第二级</a:t>
             </a:r>
-            <a:endParaRPr lang="zh-CN" altLang="en-US" smtClean="0"/>
           </a:p>
           <a:p>
             <a:pPr lvl="2"/>
@@ -569,7 +584,6 @@
               <a:rPr lang="zh-CN" altLang="en-US" smtClean="0"/>
               <a:t>第三级</a:t>
             </a:r>
-            <a:endParaRPr lang="zh-CN" altLang="en-US" smtClean="0"/>
           </a:p>
           <a:p>
             <a:pPr lvl="3"/>
@@ -577,7 +591,6 @@
               <a:rPr lang="zh-CN" altLang="en-US" smtClean="0"/>
               <a:t>第四级</a:t>
             </a:r>
-            <a:endParaRPr lang="zh-CN" altLang="en-US" smtClean="0"/>
           </a:p>
           <a:p>
             <a:pPr lvl="4"/>
@@ -610,6 +623,7 @@
           <a:p>
             <a:fld id="{0C913308-F349-4B6D-A68A-DD1791B4A57B}" type="slidenum">
               <a:rPr lang="zh-CN" altLang="en-US" smtClean="0"/>
+              <a:t>‹#›</a:t>
             </a:fld>
             <a:endParaRPr lang="zh-CN" altLang="en-US"/>
           </a:p>
@@ -693,7 +707,6 @@
               <a:rPr lang="zh-CN" altLang="en-US" smtClean="0"/>
               <a:t>单击此处编辑母版文本样式</a:t>
             </a:r>
-            <a:endParaRPr lang="zh-CN" altLang="en-US" smtClean="0"/>
           </a:p>
           <a:p>
             <a:pPr lvl="1"/>
@@ -701,7 +714,6 @@
               <a:rPr lang="zh-CN" altLang="en-US" smtClean="0"/>
               <a:t>第二级</a:t>
             </a:r>
-            <a:endParaRPr lang="zh-CN" altLang="en-US" smtClean="0"/>
           </a:p>
           <a:p>
             <a:pPr lvl="2"/>
@@ -709,7 +721,6 @@
               <a:rPr lang="zh-CN" altLang="en-US" smtClean="0"/>
               <a:t>第三级</a:t>
             </a:r>
-            <a:endParaRPr lang="zh-CN" altLang="en-US" smtClean="0"/>
           </a:p>
           <a:p>
             <a:pPr lvl="3"/>
@@ -717,7 +728,6 @@
               <a:rPr lang="zh-CN" altLang="en-US" smtClean="0"/>
               <a:t>第四级</a:t>
             </a:r>
-            <a:endParaRPr lang="zh-CN" altLang="en-US" smtClean="0"/>
           </a:p>
           <a:p>
             <a:pPr lvl="4"/>
@@ -754,7 +764,6 @@
               <a:rPr lang="zh-CN" altLang="en-US" smtClean="0"/>
               <a:t>单击此处编辑母版文本样式</a:t>
             </a:r>
-            <a:endParaRPr lang="zh-CN" altLang="en-US" smtClean="0"/>
           </a:p>
           <a:p>
             <a:pPr lvl="1"/>
@@ -762,7 +771,6 @@
               <a:rPr lang="zh-CN" altLang="en-US" smtClean="0"/>
               <a:t>第二级</a:t>
             </a:r>
-            <a:endParaRPr lang="zh-CN" altLang="en-US" smtClean="0"/>
           </a:p>
           <a:p>
             <a:pPr lvl="2"/>
@@ -770,7 +778,6 @@
               <a:rPr lang="zh-CN" altLang="en-US" smtClean="0"/>
               <a:t>第三级</a:t>
             </a:r>
-            <a:endParaRPr lang="zh-CN" altLang="en-US" smtClean="0"/>
           </a:p>
           <a:p>
             <a:pPr lvl="3"/>
@@ -778,7 +785,6 @@
               <a:rPr lang="zh-CN" altLang="en-US" smtClean="0"/>
               <a:t>第四级</a:t>
             </a:r>
-            <a:endParaRPr lang="zh-CN" altLang="en-US" smtClean="0"/>
           </a:p>
           <a:p>
             <a:pPr lvl="4"/>
@@ -811,6 +817,7 @@
           <a:p>
             <a:fld id="{0C913308-F349-4B6D-A68A-DD1791B4A57B}" type="slidenum">
               <a:rPr lang="zh-CN" altLang="en-US" smtClean="0"/>
+              <a:t>‹#›</a:t>
             </a:fld>
             <a:endParaRPr lang="zh-CN" altLang="en-US"/>
           </a:p>
@@ -923,6 +930,7 @@
           <a:p>
             <a:fld id="{0C913308-F349-4B6D-A68A-DD1791B4A57B}" type="slidenum">
               <a:rPr lang="zh-CN" altLang="en-US" smtClean="0"/>
+              <a:t>‹#›</a:t>
             </a:fld>
             <a:endParaRPr lang="zh-CN" altLang="en-US"/>
           </a:p>
@@ -1006,7 +1014,6 @@
               <a:rPr lang="zh-CN" altLang="en-US" smtClean="0"/>
               <a:t>单击此处编辑母版文本样式</a:t>
             </a:r>
-            <a:endParaRPr lang="zh-CN" altLang="en-US" smtClean="0"/>
           </a:p>
           <a:p>
             <a:pPr lvl="1"/>
@@ -1014,7 +1021,6 @@
               <a:rPr lang="zh-CN" altLang="en-US" smtClean="0"/>
               <a:t>第二级</a:t>
             </a:r>
-            <a:endParaRPr lang="zh-CN" altLang="en-US" smtClean="0"/>
           </a:p>
           <a:p>
             <a:pPr lvl="2"/>
@@ -1022,7 +1028,6 @@
               <a:rPr lang="zh-CN" altLang="en-US" smtClean="0"/>
               <a:t>第三级</a:t>
             </a:r>
-            <a:endParaRPr lang="zh-CN" altLang="en-US" smtClean="0"/>
           </a:p>
           <a:p>
             <a:pPr lvl="3"/>
@@ -1030,7 +1035,6 @@
               <a:rPr lang="zh-CN" altLang="en-US" smtClean="0"/>
               <a:t>第四级</a:t>
             </a:r>
-            <a:endParaRPr lang="zh-CN" altLang="en-US" smtClean="0"/>
           </a:p>
           <a:p>
             <a:pPr lvl="4"/>
@@ -1096,6 +1100,7 @@
           <a:p>
             <a:fld id="{0C913308-F349-4B6D-A68A-DD1791B4A57B}" type="slidenum">
               <a:rPr lang="zh-CN" altLang="en-US" smtClean="0"/>
+              <a:t>‹#›</a:t>
             </a:fld>
             <a:endParaRPr lang="zh-CN" altLang="en-US"/>
           </a:p>
@@ -1208,6 +1213,7 @@
           <a:p>
             <a:fld id="{0C913308-F349-4B6D-A68A-DD1791B4A57B}" type="slidenum">
               <a:rPr lang="zh-CN" altLang="en-US" smtClean="0"/>
+              <a:t>‹#›</a:t>
             </a:fld>
             <a:endParaRPr lang="zh-CN" altLang="en-US"/>
           </a:p>
@@ -1319,7 +1325,6 @@
               <a:rPr lang="zh-CN" altLang="en-US" smtClean="0"/>
               <a:t>单击此处编辑母版文本样式</a:t>
             </a:r>
-            <a:endParaRPr lang="zh-CN" altLang="en-US" smtClean="0"/>
           </a:p>
           <a:p>
             <a:pPr lvl="1"/>
@@ -1327,7 +1332,6 @@
               <a:rPr lang="zh-CN" altLang="en-US" smtClean="0"/>
               <a:t>第二级</a:t>
             </a:r>
-            <a:endParaRPr lang="zh-CN" altLang="en-US" smtClean="0"/>
           </a:p>
           <a:p>
             <a:pPr lvl="2"/>
@@ -1335,7 +1339,6 @@
               <a:rPr lang="zh-CN" altLang="en-US" smtClean="0"/>
               <a:t>第三级</a:t>
             </a:r>
-            <a:endParaRPr lang="zh-CN" altLang="en-US" smtClean="0"/>
           </a:p>
           <a:p>
             <a:pPr lvl="3"/>
@@ -1343,7 +1346,6 @@
               <a:rPr lang="zh-CN" altLang="en-US" smtClean="0"/>
               <a:t>第四级</a:t>
             </a:r>
-            <a:endParaRPr lang="zh-CN" altLang="en-US" smtClean="0"/>
           </a:p>
           <a:p>
             <a:pPr lvl="4"/>
@@ -1376,6 +1378,7 @@
           <a:p>
             <a:fld id="{0C913308-F349-4B6D-A68A-DD1791B4A57B}" type="slidenum">
               <a:rPr lang="zh-CN" altLang="en-US" smtClean="0"/>
+              <a:t>‹#›</a:t>
             </a:fld>
             <a:endParaRPr lang="zh-CN" altLang="en-US"/>
           </a:p>
@@ -1500,7 +1503,6 @@
               <a:rPr lang="zh-CN" altLang="en-US" smtClean="0"/>
               <a:t>单击此处编辑母版文本样式</a:t>
             </a:r>
-            <a:endParaRPr lang="zh-CN" altLang="en-US" smtClean="0"/>
           </a:p>
         </p:txBody>
       </p:sp>
@@ -1525,6 +1527,7 @@
           <a:p>
             <a:fld id="{0C913308-F349-4B6D-A68A-DD1791B4A57B}" type="slidenum">
               <a:rPr lang="zh-CN" altLang="en-US" smtClean="0"/>
+              <a:t>‹#›</a:t>
             </a:fld>
             <a:endParaRPr lang="zh-CN" altLang="en-US"/>
           </a:p>
@@ -1631,7 +1634,6 @@
               <a:rPr lang="zh-CN" altLang="en-US" smtClean="0"/>
               <a:t>单击此处编辑母版文本样式</a:t>
             </a:r>
-            <a:endParaRPr lang="zh-CN" altLang="en-US" smtClean="0"/>
           </a:p>
           <a:p>
             <a:pPr lvl="1"/>
@@ -1639,7 +1641,6 @@
               <a:rPr lang="zh-CN" altLang="en-US" smtClean="0"/>
               <a:t>第二级</a:t>
             </a:r>
-            <a:endParaRPr lang="zh-CN" altLang="en-US" smtClean="0"/>
           </a:p>
           <a:p>
             <a:pPr lvl="2"/>
@@ -1647,7 +1648,6 @@
               <a:rPr lang="zh-CN" altLang="en-US" smtClean="0"/>
               <a:t>第三级</a:t>
             </a:r>
-            <a:endParaRPr lang="zh-CN" altLang="en-US" smtClean="0"/>
           </a:p>
           <a:p>
             <a:pPr lvl="3"/>
@@ -1655,7 +1655,6 @@
               <a:rPr lang="zh-CN" altLang="en-US" smtClean="0"/>
               <a:t>第四级</a:t>
             </a:r>
-            <a:endParaRPr lang="zh-CN" altLang="en-US" smtClean="0"/>
           </a:p>
           <a:p>
             <a:pPr lvl="4"/>
@@ -1720,7 +1719,6 @@
               <a:rPr lang="zh-CN" altLang="en-US" smtClean="0"/>
               <a:t>单击此处编辑母版文本样式</a:t>
             </a:r>
-            <a:endParaRPr lang="zh-CN" altLang="en-US" smtClean="0"/>
           </a:p>
           <a:p>
             <a:pPr lvl="1"/>
@@ -1728,7 +1726,6 @@
               <a:rPr lang="zh-CN" altLang="en-US" smtClean="0"/>
               <a:t>第二级</a:t>
             </a:r>
-            <a:endParaRPr lang="zh-CN" altLang="en-US" smtClean="0"/>
           </a:p>
           <a:p>
             <a:pPr lvl="2"/>
@@ -1736,7 +1733,6 @@
               <a:rPr lang="zh-CN" altLang="en-US" smtClean="0"/>
               <a:t>第三级</a:t>
             </a:r>
-            <a:endParaRPr lang="zh-CN" altLang="en-US" smtClean="0"/>
           </a:p>
           <a:p>
             <a:pPr lvl="3"/>
@@ -1744,7 +1740,6 @@
               <a:rPr lang="zh-CN" altLang="en-US" smtClean="0"/>
               <a:t>第四级</a:t>
             </a:r>
-            <a:endParaRPr lang="zh-CN" altLang="en-US" smtClean="0"/>
           </a:p>
           <a:p>
             <a:pPr lvl="4"/>
@@ -1777,6 +1772,7 @@
           <a:p>
             <a:fld id="{0C913308-F349-4B6D-A68A-DD1791B4A57B}" type="slidenum">
               <a:rPr lang="zh-CN" altLang="en-US" smtClean="0"/>
+              <a:t>‹#›</a:t>
             </a:fld>
             <a:endParaRPr lang="zh-CN" altLang="en-US"/>
           </a:p>
@@ -1901,7 +1897,6 @@
               <a:rPr lang="zh-CN" altLang="en-US" smtClean="0"/>
               <a:t>单击此处编辑母版文本样式</a:t>
             </a:r>
-            <a:endParaRPr lang="zh-CN" altLang="en-US" smtClean="0"/>
           </a:p>
         </p:txBody>
       </p:sp>
@@ -1958,7 +1953,6 @@
               <a:rPr lang="zh-CN" altLang="en-US" smtClean="0"/>
               <a:t>单击此处编辑母版文本样式</a:t>
             </a:r>
-            <a:endParaRPr lang="zh-CN" altLang="en-US" smtClean="0"/>
           </a:p>
           <a:p>
             <a:pPr lvl="1"/>
@@ -1966,7 +1960,6 @@
               <a:rPr lang="zh-CN" altLang="en-US" smtClean="0"/>
               <a:t>第二级</a:t>
             </a:r>
-            <a:endParaRPr lang="zh-CN" altLang="en-US" smtClean="0"/>
           </a:p>
           <a:p>
             <a:pPr lvl="2"/>
@@ -1974,7 +1967,6 @@
               <a:rPr lang="zh-CN" altLang="en-US" smtClean="0"/>
               <a:t>第三级</a:t>
             </a:r>
-            <a:endParaRPr lang="zh-CN" altLang="en-US" smtClean="0"/>
           </a:p>
           <a:p>
             <a:pPr lvl="3"/>
@@ -1982,7 +1974,6 @@
               <a:rPr lang="zh-CN" altLang="en-US" smtClean="0"/>
               <a:t>第四级</a:t>
             </a:r>
-            <a:endParaRPr lang="zh-CN" altLang="en-US" smtClean="0"/>
           </a:p>
           <a:p>
             <a:pPr lvl="4"/>
@@ -2056,7 +2047,6 @@
               <a:rPr lang="zh-CN" altLang="en-US" smtClean="0"/>
               <a:t>单击此处编辑母版文本样式</a:t>
             </a:r>
-            <a:endParaRPr lang="zh-CN" altLang="en-US" smtClean="0"/>
           </a:p>
         </p:txBody>
       </p:sp>
@@ -2113,7 +2103,6 @@
               <a:rPr lang="zh-CN" altLang="en-US" smtClean="0"/>
               <a:t>单击此处编辑母版文本样式</a:t>
             </a:r>
-            <a:endParaRPr lang="zh-CN" altLang="en-US" smtClean="0"/>
           </a:p>
           <a:p>
             <a:pPr lvl="1"/>
@@ -2121,7 +2110,6 @@
               <a:rPr lang="zh-CN" altLang="en-US" smtClean="0"/>
               <a:t>第二级</a:t>
             </a:r>
-            <a:endParaRPr lang="zh-CN" altLang="en-US" smtClean="0"/>
           </a:p>
           <a:p>
             <a:pPr lvl="2"/>
@@ -2129,7 +2117,6 @@
               <a:rPr lang="zh-CN" altLang="en-US" smtClean="0"/>
               <a:t>第三级</a:t>
             </a:r>
-            <a:endParaRPr lang="zh-CN" altLang="en-US" smtClean="0"/>
           </a:p>
           <a:p>
             <a:pPr lvl="3"/>
@@ -2137,7 +2124,6 @@
               <a:rPr lang="zh-CN" altLang="en-US" smtClean="0"/>
               <a:t>第四级</a:t>
             </a:r>
-            <a:endParaRPr lang="zh-CN" altLang="en-US" smtClean="0"/>
           </a:p>
           <a:p>
             <a:pPr lvl="4"/>
@@ -2170,6 +2156,7 @@
           <a:p>
             <a:fld id="{0C913308-F349-4B6D-A68A-DD1791B4A57B}" type="slidenum">
               <a:rPr lang="zh-CN" altLang="en-US" smtClean="0"/>
+              <a:t>‹#›</a:t>
             </a:fld>
             <a:endParaRPr lang="zh-CN" altLang="en-US"/>
           </a:p>
@@ -2244,6 +2231,7 @@
           <a:p>
             <a:fld id="{0C913308-F349-4B6D-A68A-DD1791B4A57B}" type="slidenum">
               <a:rPr lang="zh-CN" altLang="en-US" smtClean="0"/>
+              <a:t>‹#›</a:t>
             </a:fld>
             <a:endParaRPr lang="zh-CN" altLang="en-US"/>
           </a:p>
@@ -2295,6 +2283,7 @@
           <a:p>
             <a:fld id="{0C913308-F349-4B6D-A68A-DD1791B4A57B}" type="slidenum">
               <a:rPr lang="zh-CN" altLang="en-US" smtClean="0"/>
+              <a:t>‹#›</a:t>
             </a:fld>
             <a:endParaRPr lang="zh-CN" altLang="en-US"/>
           </a:p>
@@ -2410,7 +2399,6 @@
               <a:rPr lang="zh-CN" altLang="en-US" smtClean="0"/>
               <a:t>单击此处编辑母版文本样式</a:t>
             </a:r>
-            <a:endParaRPr lang="zh-CN" altLang="en-US" smtClean="0"/>
           </a:p>
           <a:p>
             <a:pPr lvl="1"/>
@@ -2418,7 +2406,6 @@
               <a:rPr lang="zh-CN" altLang="en-US" smtClean="0"/>
               <a:t>第二级</a:t>
             </a:r>
-            <a:endParaRPr lang="zh-CN" altLang="en-US" smtClean="0"/>
           </a:p>
           <a:p>
             <a:pPr lvl="2"/>
@@ -2426,7 +2413,6 @@
               <a:rPr lang="zh-CN" altLang="en-US" smtClean="0"/>
               <a:t>第三级</a:t>
             </a:r>
-            <a:endParaRPr lang="zh-CN" altLang="en-US" smtClean="0"/>
           </a:p>
           <a:p>
             <a:pPr lvl="3"/>
@@ -2434,7 +2420,6 @@
               <a:rPr lang="zh-CN" altLang="en-US" smtClean="0"/>
               <a:t>第四级</a:t>
             </a:r>
-            <a:endParaRPr lang="zh-CN" altLang="en-US" smtClean="0"/>
           </a:p>
           <a:p>
             <a:pPr lvl="4"/>
@@ -2508,7 +2493,6 @@
               <a:rPr lang="zh-CN" altLang="en-US" smtClean="0"/>
               <a:t>单击此处编辑母版文本样式</a:t>
             </a:r>
-            <a:endParaRPr lang="zh-CN" altLang="en-US" smtClean="0"/>
           </a:p>
         </p:txBody>
       </p:sp>
@@ -2533,6 +2517,7 @@
           <a:p>
             <a:fld id="{0C913308-F349-4B6D-A68A-DD1791B4A57B}" type="slidenum">
               <a:rPr lang="zh-CN" altLang="en-US" smtClean="0"/>
+              <a:t>‹#›</a:t>
             </a:fld>
             <a:endParaRPr lang="zh-CN" altLang="en-US"/>
           </a:p>
@@ -2657,7 +2642,6 @@
               <a:rPr lang="zh-CN" altLang="en-US" noProof="0" smtClean="0"/>
               <a:t>单击图标添加图片</a:t>
             </a:r>
-            <a:endParaRPr lang="zh-CN" altLang="en-US" noProof="0" smtClean="0"/>
           </a:p>
         </p:txBody>
       </p:sp>
@@ -2723,7 +2707,6 @@
               <a:rPr lang="zh-CN" altLang="en-US" smtClean="0"/>
               <a:t>单击此处编辑母版文本样式</a:t>
             </a:r>
-            <a:endParaRPr lang="zh-CN" altLang="en-US" smtClean="0"/>
           </a:p>
         </p:txBody>
       </p:sp>
@@ -2748,6 +2731,7 @@
           <a:p>
             <a:fld id="{0C913308-F349-4B6D-A68A-DD1791B4A57B}" type="slidenum">
               <a:rPr lang="zh-CN" altLang="en-US" smtClean="0"/>
+              <a:t>‹#›</a:t>
             </a:fld>
             <a:endParaRPr lang="zh-CN" altLang="en-US"/>
           </a:p>
@@ -2767,7 +2751,7 @@
     <p:bg>
       <p:bgPr>
         <a:blipFill dpi="0" rotWithShape="0">
-          <a:blip r:embed="rId16" cstate="print"/>
+          <a:blip r:embed="rId17" cstate="print"/>
           <a:srcRect/>
           <a:stretch>
             <a:fillRect/>
@@ -2823,7 +2807,6 @@
               <a:rPr lang="zh-CN" altLang="en-US" smtClean="0"/>
               <a:t>单击此处编辑母版标题样式</a:t>
             </a:r>
-            <a:endParaRPr lang="zh-CN" altLang="en-US" smtClean="0"/>
           </a:p>
         </p:txBody>
       </p:sp>
@@ -2860,7 +2843,6 @@
               <a:rPr lang="zh-CN" altLang="en-US" smtClean="0"/>
               <a:t>单击此处编辑母版文本样式</a:t>
             </a:r>
-            <a:endParaRPr lang="zh-CN" altLang="en-US" smtClean="0"/>
           </a:p>
           <a:p>
             <a:pPr lvl="1"/>
@@ -2868,7 +2850,6 @@
               <a:rPr lang="zh-CN" altLang="en-US" smtClean="0"/>
               <a:t>第二级</a:t>
             </a:r>
-            <a:endParaRPr lang="zh-CN" altLang="en-US" smtClean="0"/>
           </a:p>
           <a:p>
             <a:pPr lvl="2"/>
@@ -2876,7 +2857,6 @@
               <a:rPr lang="zh-CN" altLang="en-US" smtClean="0"/>
               <a:t>第三级</a:t>
             </a:r>
-            <a:endParaRPr lang="zh-CN" altLang="en-US" smtClean="0"/>
           </a:p>
           <a:p>
             <a:pPr lvl="3"/>
@@ -2884,7 +2864,6 @@
               <a:rPr lang="zh-CN" altLang="en-US" smtClean="0"/>
               <a:t>第四级</a:t>
             </a:r>
-            <a:endParaRPr lang="zh-CN" altLang="en-US" smtClean="0"/>
           </a:p>
           <a:p>
             <a:pPr lvl="4"/>
@@ -2892,7 +2871,6 @@
               <a:rPr lang="zh-CN" altLang="en-US" smtClean="0"/>
               <a:t>第五级</a:t>
             </a:r>
-            <a:endParaRPr lang="zh-CN" altLang="en-US" smtClean="0"/>
           </a:p>
         </p:txBody>
       </p:sp>
@@ -2939,6 +2917,7 @@
           <a:p>
             <a:fld id="{0C913308-F349-4B6D-A68A-DD1791B4A57B}" type="slidenum">
               <a:rPr lang="zh-CN" altLang="en-US" smtClean="0"/>
+              <a:t>‹#›</a:t>
             </a:fld>
             <a:endParaRPr lang="zh-CN" altLang="en-US"/>
           </a:p>
@@ -2984,6 +2963,7 @@
                 </a:solidFill>
                 <a:latin typeface="Impact" panose="020B0806030902050204" pitchFamily="34" charset="0"/>
               </a:rPr>
+              <a:t>‹#›</a:t>
             </a:fld>
             <a:endParaRPr lang="en-US" altLang="zh-CN" b="1">
               <a:solidFill>
@@ -3466,10 +3446,6 @@
               </a:rPr>
               <a:t>的使用</a:t>
             </a:r>
-            <a:endParaRPr lang="zh-CN" altLang="en-US" dirty="0">
-              <a:latin typeface="黑体" panose="02010609060101010101" pitchFamily="2" charset="-122"/>
-              <a:ea typeface="黑体" panose="02010609060101010101" pitchFamily="2" charset="-122"/>
-            </a:endParaRPr>
           </a:p>
         </p:txBody>
       </p:sp>
@@ -3568,6 +3544,10 @@
               <a:rPr lang="zh-CN" altLang="en-US" sz="4800" dirty="0" smtClean="0"/>
               <a:t>、生命周期</a:t>
             </a:r>
+            <a:r>
+              <a:rPr lang="en-US" altLang="zh-CN" dirty="0" smtClean="0"/>
+              <a:t/>
+            </a:r>
             <a:br>
               <a:rPr lang="en-US" altLang="zh-CN" dirty="0" smtClean="0"/>
             </a:br>
@@ -3595,10 +3575,6 @@
               </a:rPr>
               <a:t>	</a:t>
             </a:r>
-            <a:endParaRPr lang="en-US" altLang="zh-CN" sz="3200" dirty="0" smtClean="0">
-              <a:latin typeface="宋体" panose="02010600030101010101" pitchFamily="2" charset="-122"/>
-              <a:ea typeface="宋体" panose="02010600030101010101" pitchFamily="2" charset="-122"/>
-            </a:endParaRPr>
           </a:p>
         </p:txBody>
       </p:sp>
@@ -3663,6 +3639,10 @@
               <a:rPr lang="zh-CN" altLang="en-US" sz="4800" dirty="0" smtClean="0"/>
               <a:t>、生命周期</a:t>
             </a:r>
+            <a:r>
+              <a:rPr lang="en-US" altLang="zh-CN" dirty="0" smtClean="0"/>
+              <a:t/>
+            </a:r>
             <a:br>
               <a:rPr lang="en-US" altLang="zh-CN" dirty="0" smtClean="0"/>
             </a:br>
@@ -3712,6 +3692,13 @@
               </a:rPr>
               <a:t>的注册事件，</a:t>
             </a:r>
+            <a:r>
+              <a:rPr lang="en-US" altLang="zh-CN" sz="3200" dirty="0" smtClean="0">
+                <a:latin typeface="宋体" panose="02010600030101010101" pitchFamily="2" charset="-122"/>
+                <a:ea typeface="宋体" panose="02010600030101010101" pitchFamily="2" charset="-122"/>
+              </a:rPr>
+              <a:t/>
+            </a:r>
             <a:br>
               <a:rPr lang="en-US" altLang="zh-CN" sz="3200" dirty="0" smtClean="0">
                 <a:latin typeface="宋体" panose="02010600030101010101" pitchFamily="2" charset="-122"/>
@@ -3725,10 +3712,6 @@
               </a:rPr>
               <a:t>	</a:t>
             </a:r>
-            <a:endParaRPr lang="en-US" altLang="zh-CN" sz="3200" dirty="0" smtClean="0">
-              <a:latin typeface="宋体" panose="02010600030101010101" pitchFamily="2" charset="-122"/>
-              <a:ea typeface="宋体" panose="02010600030101010101" pitchFamily="2" charset="-122"/>
-            </a:endParaRPr>
           </a:p>
         </p:txBody>
       </p:sp>
@@ -3793,6 +3776,10 @@
               <a:rPr lang="zh-CN" altLang="en-US" sz="4800" dirty="0" smtClean="0"/>
               <a:t>、生命周期</a:t>
             </a:r>
+            <a:r>
+              <a:rPr lang="en-US" altLang="zh-CN" dirty="0" smtClean="0"/>
+              <a:t/>
+            </a:r>
             <a:br>
               <a:rPr lang="en-US" altLang="zh-CN" dirty="0" smtClean="0"/>
             </a:br>
@@ -3805,14 +3792,7 @@
                 <a:latin typeface="宋体" panose="02010600030101010101" pitchFamily="2" charset="-122"/>
                 <a:ea typeface="宋体" panose="02010600030101010101" pitchFamily="2" charset="-122"/>
               </a:rPr>
-              <a:t>3</a:t>
-            </a:r>
-            <a:r>
-              <a:rPr lang="en-US" altLang="zh-CN" sz="3200" dirty="0" smtClean="0">
-                <a:latin typeface="宋体" panose="02010600030101010101" pitchFamily="2" charset="-122"/>
-                <a:ea typeface="宋体" panose="02010600030101010101" pitchFamily="2" charset="-122"/>
-              </a:rPr>
-              <a:t>&gt;onNewIntent:当我们的Activity设置成非standard模式，然后我们在AActivity上面再次打开AActivity的时候，就会进入onNewIntent方法；这个一般是我们的首页，重复打开首页，我们会根据传递进来的参数，来判断，最终首页的展示方式。</a:t>
+              <a:t>3&gt;onNewIntent:当我们的Activity设置成非standard模式，然后我们在AActivity上面再次打开AActivity的时候，就会进入onNewIntent方法；这个一般是我们的首页，重复打开首页，我们会根据传递进来的参数，来判断，最终首页的展示方式。</a:t>
             </a:r>
             <a:br>
               <a:rPr lang="en-US" altLang="zh-CN" sz="3200" dirty="0" smtClean="0">
@@ -3827,10 +3807,6 @@
               </a:rPr>
               <a:t>	</a:t>
             </a:r>
-            <a:endParaRPr lang="en-US" altLang="zh-CN" sz="3200" dirty="0" smtClean="0">
-              <a:latin typeface="宋体" panose="02010600030101010101" pitchFamily="2" charset="-122"/>
-              <a:ea typeface="宋体" panose="02010600030101010101" pitchFamily="2" charset="-122"/>
-            </a:endParaRPr>
           </a:p>
         </p:txBody>
       </p:sp>
@@ -3895,6 +3871,10 @@
               <a:rPr lang="zh-CN" altLang="en-US" sz="4800" dirty="0" smtClean="0"/>
               <a:t>、生命周期</a:t>
             </a:r>
+            <a:r>
+              <a:rPr lang="en-US" altLang="zh-CN" dirty="0" smtClean="0"/>
+              <a:t/>
+            </a:r>
             <a:br>
               <a:rPr lang="en-US" altLang="zh-CN" dirty="0" smtClean="0"/>
             </a:br>
@@ -3907,14 +3887,7 @@
                 <a:latin typeface="宋体" panose="02010600030101010101" pitchFamily="2" charset="-122"/>
                 <a:ea typeface="宋体" panose="02010600030101010101" pitchFamily="2" charset="-122"/>
               </a:rPr>
-              <a:t>4</a:t>
-            </a:r>
-            <a:r>
-              <a:rPr lang="en-US" altLang="zh-CN" sz="3200" dirty="0" smtClean="0">
-                <a:latin typeface="宋体" panose="02010600030101010101" pitchFamily="2" charset="-122"/>
-                <a:ea typeface="宋体" panose="02010600030101010101" pitchFamily="2" charset="-122"/>
-              </a:rPr>
-              <a:t>&gt;onActivityResult:当我们从A页面，使用startActivityForResult的方法打开B页面，然后关闭B页面，我们就能在A页面中接收到onActivityResult事件，B可以把一些处理结果返回回来。然后A可以根据B返回的数据，进行处理。例如A页面打开一个系统相册，选择一个图片（会自动关闭相册），会在A 页面的onActivityResult中，返回给我们图片的content地址。</a:t>
+              <a:t>4&gt;onActivityResult:当我们从A页面，使用startActivityForResult的方法打开B页面，然后关闭B页面，我们就能在A页面中接收到onActivityResult事件，B可以把一些处理结果返回回来。然后A可以根据B返回的数据，进行处理。例如A页面打开一个系统相册，选择一个图片（会自动关闭相册），会在A 页面的onActivityResult中，返回给我们图片的content地址。</a:t>
             </a:r>
             <a:br>
               <a:rPr lang="en-US" altLang="zh-CN" sz="3200" dirty="0" smtClean="0">
@@ -3929,10 +3902,6 @@
               </a:rPr>
               <a:t>	</a:t>
             </a:r>
-            <a:endParaRPr lang="en-US" altLang="zh-CN" sz="3200" dirty="0" smtClean="0">
-              <a:latin typeface="宋体" panose="02010600030101010101" pitchFamily="2" charset="-122"/>
-              <a:ea typeface="宋体" panose="02010600030101010101" pitchFamily="2" charset="-122"/>
-            </a:endParaRPr>
           </a:p>
         </p:txBody>
       </p:sp>
@@ -3997,6 +3966,10 @@
               <a:rPr lang="zh-CN" altLang="en-US" sz="4800" dirty="0" smtClean="0"/>
               <a:t>、生命周期</a:t>
             </a:r>
+            <a:r>
+              <a:rPr lang="en-US" altLang="zh-CN" dirty="0" smtClean="0"/>
+              <a:t/>
+            </a:r>
             <a:br>
               <a:rPr lang="en-US" altLang="zh-CN" dirty="0" smtClean="0"/>
             </a:br>
@@ -4031,10 +4004,6 @@
               </a:rPr>
               <a:t>	</a:t>
             </a:r>
-            <a:endParaRPr lang="en-US" altLang="zh-CN" sz="3200" dirty="0" smtClean="0">
-              <a:latin typeface="宋体" panose="02010600030101010101" pitchFamily="2" charset="-122"/>
-              <a:ea typeface="宋体" panose="02010600030101010101" pitchFamily="2" charset="-122"/>
-            </a:endParaRPr>
           </a:p>
         </p:txBody>
       </p:sp>
@@ -4099,6 +4068,10 @@
               <a:rPr lang="zh-CN" altLang="en-US" sz="4800" dirty="0" smtClean="0"/>
               <a:t>、生命周期</a:t>
             </a:r>
+            <a:r>
+              <a:rPr lang="en-US" altLang="zh-CN" dirty="0" smtClean="0"/>
+              <a:t/>
+            </a:r>
             <a:br>
               <a:rPr lang="en-US" altLang="zh-CN" dirty="0" smtClean="0"/>
             </a:br>
@@ -4133,10 +4106,6 @@
               </a:rPr>
               <a:t>	</a:t>
             </a:r>
-            <a:endParaRPr lang="en-US" altLang="zh-CN" sz="3200" dirty="0" smtClean="0">
-              <a:latin typeface="宋体" panose="02010600030101010101" pitchFamily="2" charset="-122"/>
-              <a:ea typeface="宋体" panose="02010600030101010101" pitchFamily="2" charset="-122"/>
-            </a:endParaRPr>
           </a:p>
         </p:txBody>
       </p:sp>
@@ -4201,6 +4170,10 @@
               <a:rPr lang="zh-CN" altLang="en-US" sz="4800" dirty="0" smtClean="0"/>
               <a:t>、横竖屏切换</a:t>
             </a:r>
+            <a:r>
+              <a:rPr lang="en-US" altLang="zh-CN" dirty="0" smtClean="0"/>
+              <a:t/>
+            </a:r>
             <a:br>
               <a:rPr lang="en-US" altLang="zh-CN" dirty="0" smtClean="0"/>
             </a:br>
@@ -4228,6 +4201,13 @@
               </a:rPr>
               <a:t>首先会销毁原先的Activity（onPause-&gt;onSaveInstanceState-&gt;onStop-&gt;onDestroy）,然后重建该Activity（onCreate-&gt;onStart-&gt;onRestoreInstanceState-&gt;onResume）</a:t>
             </a:r>
+            <a:r>
+              <a:rPr lang="en-US" altLang="zh-CN" sz="3200" dirty="0" smtClean="0">
+                <a:latin typeface="宋体" panose="02010600030101010101" pitchFamily="2" charset="-122"/>
+                <a:ea typeface="宋体" panose="02010600030101010101" pitchFamily="2" charset="-122"/>
+              </a:rPr>
+              <a:t/>
+            </a:r>
             <a:br>
               <a:rPr lang="en-US" altLang="zh-CN" sz="3200" dirty="0" smtClean="0">
                 <a:latin typeface="宋体" panose="02010600030101010101" pitchFamily="2" charset="-122"/>
@@ -4241,10 +4221,6 @@
               </a:rPr>
               <a:t>	</a:t>
             </a:r>
-            <a:endParaRPr lang="en-US" altLang="zh-CN" sz="3200" dirty="0" smtClean="0">
-              <a:latin typeface="宋体" panose="02010600030101010101" pitchFamily="2" charset="-122"/>
-              <a:ea typeface="宋体" panose="02010600030101010101" pitchFamily="2" charset="-122"/>
-            </a:endParaRPr>
           </a:p>
         </p:txBody>
       </p:sp>
@@ -4309,6 +4285,10 @@
               <a:rPr lang="zh-CN" altLang="en-US" sz="4800" dirty="0" smtClean="0"/>
               <a:t>、横竖屏切换</a:t>
             </a:r>
+            <a:r>
+              <a:rPr lang="en-US" altLang="zh-CN" dirty="0" smtClean="0"/>
+              <a:t/>
+            </a:r>
             <a:br>
               <a:rPr lang="en-US" altLang="zh-CN" dirty="0" smtClean="0"/>
             </a:br>
@@ -4329,6 +4309,13 @@
                 <a:ea typeface="宋体" panose="02010600030101010101" pitchFamily="2" charset="-122"/>
               </a:rPr>
             </a:br>
+            <a:r>
+              <a:rPr lang="en-US" altLang="zh-CN" sz="3200" dirty="0" smtClean="0">
+                <a:latin typeface="宋体" panose="02010600030101010101" pitchFamily="2" charset="-122"/>
+                <a:ea typeface="宋体" panose="02010600030101010101" pitchFamily="2" charset="-122"/>
+              </a:rPr>
+              <a:t/>
+            </a:r>
             <a:br>
               <a:rPr lang="en-US" altLang="zh-CN" sz="3200" dirty="0" smtClean="0">
                 <a:latin typeface="宋体" panose="02010600030101010101" pitchFamily="2" charset="-122"/>
@@ -4342,10 +4329,6 @@
               </a:rPr>
               <a:t>	</a:t>
             </a:r>
-            <a:endParaRPr lang="en-US" altLang="zh-CN" sz="3200" dirty="0" smtClean="0">
-              <a:latin typeface="宋体" panose="02010600030101010101" pitchFamily="2" charset="-122"/>
-              <a:ea typeface="宋体" panose="02010600030101010101" pitchFamily="2" charset="-122"/>
-            </a:endParaRPr>
           </a:p>
         </p:txBody>
       </p:sp>
@@ -4358,7 +4341,7 @@
           <p:nvPr/>
         </p:nvPicPr>
         <p:blipFill>
-          <a:blip r:embed="rId1"/>
+          <a:blip r:embed="rId2"/>
           <a:stretch>
             <a:fillRect/>
           </a:stretch>
@@ -4382,7 +4365,7 @@
           <p:nvPr/>
         </p:nvPicPr>
         <p:blipFill>
-          <a:blip r:embed="rId2"/>
+          <a:blip r:embed="rId3"/>
           <a:stretch>
             <a:fillRect/>
           </a:stretch>
@@ -4458,6 +4441,10 @@
               <a:rPr lang="zh-CN" altLang="en-US" sz="4800" dirty="0" smtClean="0"/>
               <a:t>、横竖屏切换</a:t>
             </a:r>
+            <a:r>
+              <a:rPr lang="en-US" altLang="zh-CN" dirty="0" smtClean="0"/>
+              <a:t/>
+            </a:r>
             <a:br>
               <a:rPr lang="en-US" altLang="zh-CN" dirty="0" smtClean="0"/>
             </a:br>
@@ -4485,6 +4472,13 @@
               </a:rPr>
               <a:t>执行onConfigurationChanged</a:t>
             </a:r>
+            <a:r>
+              <a:rPr lang="en-US" altLang="zh-CN" sz="3200" dirty="0" smtClean="0">
+                <a:latin typeface="宋体" panose="02010600030101010101" pitchFamily="2" charset="-122"/>
+                <a:ea typeface="宋体" panose="02010600030101010101" pitchFamily="2" charset="-122"/>
+              </a:rPr>
+              <a:t/>
+            </a:r>
             <a:br>
               <a:rPr lang="en-US" altLang="zh-CN" sz="3200" dirty="0" smtClean="0">
                 <a:latin typeface="宋体" panose="02010600030101010101" pitchFamily="2" charset="-122"/>
@@ -4498,10 +4492,6 @@
               </a:rPr>
               <a:t>	</a:t>
             </a:r>
-            <a:endParaRPr lang="en-US" altLang="zh-CN" sz="3200" dirty="0" smtClean="0">
-              <a:latin typeface="宋体" panose="02010600030101010101" pitchFamily="2" charset="-122"/>
-              <a:ea typeface="宋体" panose="02010600030101010101" pitchFamily="2" charset="-122"/>
-            </a:endParaRPr>
           </a:p>
         </p:txBody>
       </p:sp>
@@ -4566,6 +4556,10 @@
               <a:rPr lang="zh-CN" altLang="en-US" sz="4800" dirty="0" smtClean="0"/>
               <a:t>、横竖屏切换</a:t>
             </a:r>
+            <a:r>
+              <a:rPr lang="en-US" altLang="zh-CN" dirty="0" smtClean="0"/>
+              <a:t/>
+            </a:r>
             <a:br>
               <a:rPr lang="en-US" altLang="zh-CN" dirty="0" smtClean="0"/>
             </a:br>
@@ -4586,30 +4580,65 @@
                 <a:ea typeface="宋体" panose="02010600030101010101" pitchFamily="2" charset="-122"/>
               </a:rPr>
             </a:br>
-            <a:br>
+            <a:r>
               <a:rPr lang="en-US" sz="3200" dirty="0" smtClean="0">
                 <a:latin typeface="宋体" panose="02010600030101010101" pitchFamily="2" charset="-122"/>
                 <a:ea typeface="宋体" panose="02010600030101010101" pitchFamily="2" charset="-122"/>
               </a:rPr>
-            </a:br>
+              <a:t/>
+            </a:r>
             <a:br>
               <a:rPr lang="en-US" sz="3200" dirty="0" smtClean="0">
                 <a:latin typeface="宋体" panose="02010600030101010101" pitchFamily="2" charset="-122"/>
                 <a:ea typeface="宋体" panose="02010600030101010101" pitchFamily="2" charset="-122"/>
               </a:rPr>
             </a:br>
-            <a:br>
+            <a:r>
               <a:rPr lang="en-US" sz="3200" dirty="0" smtClean="0">
                 <a:latin typeface="宋体" panose="02010600030101010101" pitchFamily="2" charset="-122"/>
                 <a:ea typeface="宋体" panose="02010600030101010101" pitchFamily="2" charset="-122"/>
               </a:rPr>
-            </a:br>
+              <a:t/>
+            </a:r>
             <a:br>
               <a:rPr lang="en-US" sz="3200" dirty="0" smtClean="0">
                 <a:latin typeface="宋体" panose="02010600030101010101" pitchFamily="2" charset="-122"/>
                 <a:ea typeface="宋体" panose="02010600030101010101" pitchFamily="2" charset="-122"/>
               </a:rPr>
             </a:br>
+            <a:r>
+              <a:rPr lang="en-US" sz="3200" dirty="0" smtClean="0">
+                <a:latin typeface="宋体" panose="02010600030101010101" pitchFamily="2" charset="-122"/>
+                <a:ea typeface="宋体" panose="02010600030101010101" pitchFamily="2" charset="-122"/>
+              </a:rPr>
+              <a:t/>
+            </a:r>
+            <a:br>
+              <a:rPr lang="en-US" sz="3200" dirty="0" smtClean="0">
+                <a:latin typeface="宋体" panose="02010600030101010101" pitchFamily="2" charset="-122"/>
+                <a:ea typeface="宋体" panose="02010600030101010101" pitchFamily="2" charset="-122"/>
+              </a:rPr>
+            </a:br>
+            <a:r>
+              <a:rPr lang="en-US" sz="3200" dirty="0" smtClean="0">
+                <a:latin typeface="宋体" panose="02010600030101010101" pitchFamily="2" charset="-122"/>
+                <a:ea typeface="宋体" panose="02010600030101010101" pitchFamily="2" charset="-122"/>
+              </a:rPr>
+              <a:t/>
+            </a:r>
+            <a:br>
+              <a:rPr lang="en-US" sz="3200" dirty="0" smtClean="0">
+                <a:latin typeface="宋体" panose="02010600030101010101" pitchFamily="2" charset="-122"/>
+                <a:ea typeface="宋体" panose="02010600030101010101" pitchFamily="2" charset="-122"/>
+              </a:rPr>
+            </a:br>
+            <a:r>
+              <a:rPr lang="en-US" altLang="zh-CN" sz="3200" dirty="0" smtClean="0">
+                <a:latin typeface="宋体" panose="02010600030101010101" pitchFamily="2" charset="-122"/>
+                <a:ea typeface="宋体" panose="02010600030101010101" pitchFamily="2" charset="-122"/>
+              </a:rPr>
+              <a:t/>
+            </a:r>
             <a:br>
               <a:rPr lang="en-US" altLang="zh-CN" sz="3200" dirty="0" smtClean="0">
                 <a:latin typeface="宋体" panose="02010600030101010101" pitchFamily="2" charset="-122"/>
@@ -4623,10 +4652,6 @@
               </a:rPr>
               <a:t>	</a:t>
             </a:r>
-            <a:endParaRPr lang="en-US" altLang="zh-CN" sz="3200" dirty="0" smtClean="0">
-              <a:latin typeface="宋体" panose="02010600030101010101" pitchFamily="2" charset="-122"/>
-              <a:ea typeface="宋体" panose="02010600030101010101" pitchFamily="2" charset="-122"/>
-            </a:endParaRPr>
           </a:p>
         </p:txBody>
       </p:sp>
@@ -4639,7 +4664,7 @@
           <p:nvPr/>
         </p:nvPicPr>
         <p:blipFill>
-          <a:blip r:embed="rId1"/>
+          <a:blip r:embed="rId2"/>
           <a:stretch>
             <a:fillRect/>
           </a:stretch>
@@ -4723,14 +4748,25 @@
               <a:rPr lang="zh-CN" altLang="en-US" dirty="0" smtClean="0"/>
               <a:t>的概念</a:t>
             </a:r>
-            <a:br>
+            <a:r>
               <a:rPr lang="zh-CN" altLang="en-US" dirty="0" smtClean="0">
                 <a:latin typeface="华文楷体" pitchFamily="2" charset="-122"/>
                 <a:ea typeface="华文楷体" pitchFamily="2" charset="-122"/>
               </a:rPr>
-            </a:br>
-            <a:br>
+              <a:t/>
+            </a:r>
+            <a:br>
+              <a:rPr lang="zh-CN" altLang="en-US" dirty="0" smtClean="0">
+                <a:latin typeface="华文楷体" pitchFamily="2" charset="-122"/>
+                <a:ea typeface="华文楷体" pitchFamily="2" charset="-122"/>
+              </a:rPr>
+            </a:br>
+            <a:r>
               <a:rPr lang="en-US" altLang="zh-CN" dirty="0" smtClean="0"/>
+              <a:t/>
+            </a:r>
+            <a:br>
+              <a:rPr lang="en-US" altLang="zh-CN" dirty="0" smtClean="0"/>
             </a:br>
             <a:r>
               <a:rPr lang="en-US" altLang="zh-CN" sz="3200" dirty="0" smtClean="0">
@@ -4739,10 +4775,6 @@
               </a:rPr>
               <a:t>Activity是 Android 程序的基本组成单元，是Android 应用层开发的四大组件之一，是Android应用程序的一个用户接口</a:t>
             </a:r>
-            <a:endParaRPr lang="en-US" altLang="zh-CN" sz="3200" dirty="0" smtClean="0">
-              <a:latin typeface="宋体" panose="02010600030101010101" pitchFamily="2" charset="-122"/>
-              <a:ea typeface="宋体" panose="02010600030101010101" pitchFamily="2" charset="-122"/>
-            </a:endParaRPr>
           </a:p>
         </p:txBody>
       </p:sp>
@@ -4800,64 +4832,349 @@
           <a:p>
             <a:pPr algn="l"/>
             <a:r>
-              <a:rPr lang="en-US" altLang="zh-CN" dirty="0" smtClean="0">
-                <a:latin typeface="华文楷体" pitchFamily="2" charset="-122"/>
-                <a:ea typeface="华文楷体" pitchFamily="2" charset="-122"/>
-              </a:rPr>
-              <a:t>1</a:t>
-            </a:r>
-            <a:r>
-              <a:rPr lang="zh-CN" altLang="en-US" dirty="0" smtClean="0">
-                <a:latin typeface="华文楷体" pitchFamily="2" charset="-122"/>
-                <a:ea typeface="华文楷体" pitchFamily="2" charset="-122"/>
-              </a:rPr>
-              <a:t>、</a:t>
-            </a:r>
-            <a:r>
-              <a:rPr lang="en-US" altLang="zh-CN" dirty="0" smtClean="0">
-                <a:latin typeface="华文楷体" pitchFamily="2" charset="-122"/>
-                <a:ea typeface="华文楷体" pitchFamily="2" charset="-122"/>
-              </a:rPr>
-              <a:t>Service</a:t>
-            </a:r>
-            <a:r>
-              <a:rPr lang="zh-CN" altLang="en-US" dirty="0" smtClean="0">
-                <a:latin typeface="华文楷体" pitchFamily="2" charset="-122"/>
-                <a:ea typeface="华文楷体" pitchFamily="2" charset="-122"/>
-              </a:rPr>
-              <a:t>的概念</a:t>
-            </a:r>
-            <a:br>
-              <a:rPr lang="zh-CN" altLang="en-US" dirty="0" smtClean="0">
-                <a:latin typeface="华文楷体" pitchFamily="2" charset="-122"/>
-                <a:ea typeface="华文楷体" pitchFamily="2" charset="-122"/>
-              </a:rPr>
-            </a:br>
-            <a:br>
+              <a:rPr lang="en-US" altLang="zh-CN" sz="4800" dirty="0" smtClean="0"/>
+              <a:t/>
+            </a:r>
+            <a:br>
+              <a:rPr lang="en-US" altLang="zh-CN" sz="4800" dirty="0" smtClean="0"/>
+            </a:br>
+            <a:r>
+              <a:rPr lang="en-US" altLang="zh-CN" sz="4800" dirty="0"/>
+              <a:t/>
+            </a:r>
+            <a:br>
+              <a:rPr lang="en-US" altLang="zh-CN" sz="4800" dirty="0"/>
+            </a:br>
+            <a:r>
+              <a:rPr lang="en-US" altLang="zh-CN" sz="4800" dirty="0" smtClean="0"/>
+              <a:t/>
+            </a:r>
+            <a:br>
+              <a:rPr lang="en-US" altLang="zh-CN" sz="4800" dirty="0" smtClean="0"/>
+            </a:br>
+            <a:r>
+              <a:rPr lang="en-US" altLang="zh-CN" sz="4800" dirty="0"/>
+              <a:t/>
+            </a:r>
+            <a:br>
+              <a:rPr lang="en-US" altLang="zh-CN" sz="4800" dirty="0"/>
+            </a:br>
+            <a:r>
+              <a:rPr lang="en-US" altLang="zh-CN" sz="4800" dirty="0" smtClean="0"/>
+              <a:t/>
+            </a:r>
+            <a:br>
+              <a:rPr lang="en-US" altLang="zh-CN" sz="4800" dirty="0" smtClean="0"/>
+            </a:br>
+            <a:r>
+              <a:rPr lang="en-US" altLang="zh-CN" sz="4800" dirty="0" smtClean="0"/>
+              <a:t>4</a:t>
+            </a:r>
+            <a:r>
+              <a:rPr lang="zh-CN" altLang="en-US" sz="4800" dirty="0" smtClean="0"/>
+              <a:t>、横竖屏切换</a:t>
+            </a:r>
+            <a:r>
               <a:rPr lang="en-US" altLang="zh-CN" dirty="0" smtClean="0"/>
-            </a:br>
-            <a:r>
-              <a:rPr lang="en-US" altLang="zh-CN" sz="3200" dirty="0" smtClean="0"/>
-              <a:t>Android中的Service，其意思是“服务”，它是在后台运行，不可交互的</a:t>
-            </a:r>
-            <a:br>
-              <a:rPr lang="en-US" altLang="zh-CN" sz="3200" dirty="0" smtClean="0"/>
-            </a:br>
-            <a:r>
-              <a:rPr lang="en-US" altLang="zh-CN" sz="3200" b="0" dirty="0" smtClean="0">
-                <a:latin typeface="宋体" panose="02010600030101010101" pitchFamily="2" charset="-122"/>
-                <a:ea typeface="宋体" panose="02010600030101010101" pitchFamily="2" charset="-122"/>
-              </a:rPr>
-              <a:t>关于Service和AIDL的使用，参考：http://www.jianshu.com/p/123a94ac9b42</a:t>
-            </a:r>
-            <a:endParaRPr lang="en-US" altLang="zh-CN" sz="3200" b="0" dirty="0" smtClean="0">
-              <a:latin typeface="宋体" panose="02010600030101010101" pitchFamily="2" charset="-122"/>
-              <a:ea typeface="宋体" panose="02010600030101010101" pitchFamily="2" charset="-122"/>
-            </a:endParaRPr>
+              <a:t/>
+            </a:r>
+            <a:br>
+              <a:rPr lang="en-US" altLang="zh-CN" dirty="0" smtClean="0"/>
+            </a:br>
+            <a:r>
+              <a:rPr lang="en-US" altLang="zh-CN" dirty="0" smtClean="0"/>
+              <a:t>	</a:t>
+            </a:r>
+            <a:r>
+              <a:rPr lang="en-US" altLang="zh-CN" sz="3200" dirty="0" smtClean="0">
+                <a:latin typeface="宋体" panose="02010600030101010101" pitchFamily="2" charset="-122"/>
+                <a:ea typeface="宋体" panose="02010600030101010101" pitchFamily="2" charset="-122"/>
+              </a:rPr>
+              <a:t>3</a:t>
+            </a:r>
+            <a:r>
+              <a:rPr lang="zh-CN" altLang="en-US" sz="3200" dirty="0" smtClean="0">
+                <a:latin typeface="宋体" panose="02010600030101010101" pitchFamily="2" charset="-122"/>
+                <a:ea typeface="宋体" panose="02010600030101010101" pitchFamily="2" charset="-122"/>
+              </a:rPr>
+              <a:t>，</a:t>
+            </a:r>
+            <a:r>
+              <a:rPr lang="en-US" altLang="zh-CN" sz="3200" dirty="0" smtClean="0">
+                <a:latin typeface="宋体" panose="02010600030101010101" pitchFamily="2" charset="-122"/>
+                <a:ea typeface="宋体" panose="02010600030101010101" pitchFamily="2" charset="-122"/>
+              </a:rPr>
+              <a:t>A</a:t>
+            </a:r>
+            <a:r>
+              <a:rPr lang="zh-CN" altLang="en-US" sz="3200" dirty="0" smtClean="0">
+                <a:latin typeface="宋体" panose="02010600030101010101" pitchFamily="2" charset="-122"/>
+                <a:ea typeface="宋体" panose="02010600030101010101" pitchFamily="2" charset="-122"/>
+              </a:rPr>
+              <a:t>，</a:t>
+            </a:r>
+            <a:r>
+              <a:rPr lang="en-US" altLang="zh-CN" sz="3200" dirty="0" smtClean="0">
+                <a:latin typeface="宋体" panose="02010600030101010101" pitchFamily="2" charset="-122"/>
+                <a:ea typeface="宋体" panose="02010600030101010101" pitchFamily="2" charset="-122"/>
+              </a:rPr>
+              <a:t>B</a:t>
+            </a:r>
+            <a:r>
+              <a:rPr lang="zh-CN" altLang="en-US" sz="3200" dirty="0" smtClean="0">
+                <a:latin typeface="宋体" panose="02010600030101010101" pitchFamily="2" charset="-122"/>
+                <a:ea typeface="宋体" panose="02010600030101010101" pitchFamily="2" charset="-122"/>
+              </a:rPr>
+              <a:t>，</a:t>
+            </a:r>
+            <a:r>
+              <a:rPr lang="en-US" altLang="zh-CN" sz="3200" dirty="0" smtClean="0">
+                <a:latin typeface="宋体" panose="02010600030101010101" pitchFamily="2" charset="-122"/>
+                <a:ea typeface="宋体" panose="02010600030101010101" pitchFamily="2" charset="-122"/>
+              </a:rPr>
+              <a:t>C</a:t>
+            </a:r>
+            <a:r>
+              <a:rPr lang="zh-CN" altLang="en-US" sz="3200" dirty="0" smtClean="0">
+                <a:latin typeface="宋体" panose="02010600030101010101" pitchFamily="2" charset="-122"/>
+                <a:ea typeface="宋体" panose="02010600030101010101" pitchFamily="2" charset="-122"/>
+              </a:rPr>
+              <a:t>三个页面，如果</a:t>
+            </a:r>
+            <a:r>
+              <a:rPr lang="en-US" altLang="zh-CN" sz="3200" dirty="0" smtClean="0">
+                <a:latin typeface="宋体" panose="02010600030101010101" pitchFamily="2" charset="-122"/>
+                <a:ea typeface="宋体" panose="02010600030101010101" pitchFamily="2" charset="-122"/>
+              </a:rPr>
+              <a:t>B</a:t>
+            </a:r>
+            <a:r>
+              <a:rPr lang="zh-CN" altLang="en-US" sz="3200" dirty="0" smtClean="0">
+                <a:latin typeface="宋体" panose="02010600030101010101" pitchFamily="2" charset="-122"/>
+                <a:ea typeface="宋体" panose="02010600030101010101" pitchFamily="2" charset="-122"/>
+              </a:rPr>
+              <a:t>和</a:t>
+            </a:r>
+            <a:r>
+              <a:rPr lang="en-US" altLang="zh-CN" sz="3200" dirty="0" smtClean="0">
+                <a:latin typeface="宋体" panose="02010600030101010101" pitchFamily="2" charset="-122"/>
+                <a:ea typeface="宋体" panose="02010600030101010101" pitchFamily="2" charset="-122"/>
+              </a:rPr>
+              <a:t>C</a:t>
+            </a:r>
+            <a:r>
+              <a:rPr lang="zh-CN" altLang="en-US" sz="3200" dirty="0" smtClean="0">
+                <a:latin typeface="宋体" panose="02010600030101010101" pitchFamily="2" charset="-122"/>
+                <a:ea typeface="宋体" panose="02010600030101010101" pitchFamily="2" charset="-122"/>
+              </a:rPr>
+              <a:t>设置</a:t>
+            </a:r>
+            <a:r>
+              <a:rPr lang="en-US" altLang="zh-CN" sz="3200" dirty="0" smtClean="0">
+                <a:latin typeface="宋体" panose="02010600030101010101" pitchFamily="2" charset="-122"/>
+                <a:ea typeface="宋体" panose="02010600030101010101" pitchFamily="2" charset="-122"/>
+              </a:rPr>
+              <a:t>theme</a:t>
+            </a:r>
+            <a:r>
+              <a:rPr lang="zh-CN" altLang="en-US" sz="3200" dirty="0" smtClean="0">
+                <a:latin typeface="宋体" panose="02010600030101010101" pitchFamily="2" charset="-122"/>
+                <a:ea typeface="宋体" panose="02010600030101010101" pitchFamily="2" charset="-122"/>
+              </a:rPr>
+              <a:t>等于</a:t>
+            </a:r>
+            <a:r>
+              <a:rPr lang="en-US" altLang="zh-CN" sz="3200" dirty="0">
+                <a:latin typeface="宋体" panose="02010600030101010101" pitchFamily="2" charset="-122"/>
+                <a:ea typeface="宋体" panose="02010600030101010101" pitchFamily="2" charset="-122"/>
+              </a:rPr>
+              <a:t>@</a:t>
+            </a:r>
+            <a:r>
+              <a:rPr lang="en-US" altLang="zh-CN" sz="3200" dirty="0" err="1" smtClean="0">
+                <a:latin typeface="宋体" panose="02010600030101010101" pitchFamily="2" charset="-122"/>
+                <a:ea typeface="宋体" panose="02010600030101010101" pitchFamily="2" charset="-122"/>
+              </a:rPr>
+              <a:t>android:style</a:t>
+            </a:r>
+            <a:r>
+              <a:rPr lang="en-US" altLang="zh-CN" sz="3200" dirty="0" smtClean="0">
+                <a:latin typeface="宋体" panose="02010600030101010101" pitchFamily="2" charset="-122"/>
+                <a:ea typeface="宋体" panose="02010600030101010101" pitchFamily="2" charset="-122"/>
+              </a:rPr>
+              <a:t>/</a:t>
+            </a:r>
+            <a:r>
+              <a:rPr lang="en-US" altLang="zh-CN" sz="3200" dirty="0" err="1" smtClean="0">
+                <a:latin typeface="宋体" panose="02010600030101010101" pitchFamily="2" charset="-122"/>
+                <a:ea typeface="宋体" panose="02010600030101010101" pitchFamily="2" charset="-122"/>
+              </a:rPr>
+              <a:t>Theme.Translucent</a:t>
+            </a:r>
+            <a:r>
+              <a:rPr lang="zh-CN" altLang="en-US" sz="3200" dirty="0">
+                <a:latin typeface="宋体" panose="02010600030101010101" pitchFamily="2" charset="-122"/>
+                <a:ea typeface="宋体" panose="02010600030101010101" pitchFamily="2" charset="-122"/>
+              </a:rPr>
+              <a:t> </a:t>
+            </a:r>
+            <a:r>
+              <a:rPr lang="zh-CN" altLang="en-US" sz="3200" dirty="0" smtClean="0">
+                <a:latin typeface="宋体" panose="02010600030101010101" pitchFamily="2" charset="-122"/>
+                <a:ea typeface="宋体" panose="02010600030101010101" pitchFamily="2" charset="-122"/>
+              </a:rPr>
+              <a:t>，则如果</a:t>
+            </a:r>
+            <a:r>
+              <a:rPr lang="en-US" altLang="zh-CN" sz="3200" dirty="0" smtClean="0">
+                <a:latin typeface="宋体" panose="02010600030101010101" pitchFamily="2" charset="-122"/>
+                <a:ea typeface="宋体" panose="02010600030101010101" pitchFamily="2" charset="-122"/>
+              </a:rPr>
+              <a:t>C</a:t>
+            </a:r>
+            <a:r>
+              <a:rPr lang="zh-CN" altLang="en-US" sz="3200" dirty="0" smtClean="0">
+                <a:latin typeface="宋体" panose="02010600030101010101" pitchFamily="2" charset="-122"/>
+                <a:ea typeface="宋体" panose="02010600030101010101" pitchFamily="2" charset="-122"/>
+              </a:rPr>
+              <a:t>在自己的页面操作横竖屏（</a:t>
+            </a:r>
+            <a:r>
+              <a:rPr lang="en-US" altLang="zh-CN" sz="3200" dirty="0" err="1">
+                <a:latin typeface="宋体" panose="02010600030101010101" pitchFamily="2" charset="-122"/>
+                <a:ea typeface="宋体" panose="02010600030101010101" pitchFamily="2" charset="-122"/>
+              </a:rPr>
+              <a:t>setRequestedOrientation</a:t>
+            </a:r>
+            <a:r>
+              <a:rPr lang="zh-CN" altLang="en-US" sz="3200" dirty="0" smtClean="0">
+                <a:latin typeface="宋体" panose="02010600030101010101" pitchFamily="2" charset="-122"/>
+                <a:ea typeface="宋体" panose="02010600030101010101" pitchFamily="2" charset="-122"/>
+              </a:rPr>
+              <a:t>）或者，直接在主配置文件中设置自己的</a:t>
+            </a:r>
+            <a:r>
+              <a:rPr lang="en-US" altLang="zh-CN" sz="3200" dirty="0" err="1" smtClean="0">
+                <a:latin typeface="宋体" panose="02010600030101010101" pitchFamily="2" charset="-122"/>
+                <a:ea typeface="宋体" panose="02010600030101010101" pitchFamily="2" charset="-122"/>
+              </a:rPr>
+              <a:t>screenOrientation</a:t>
+            </a:r>
+            <a:r>
+              <a:rPr lang="zh-CN" altLang="en-US" sz="3200" dirty="0" smtClean="0">
+                <a:latin typeface="宋体" panose="02010600030101010101" pitchFamily="2" charset="-122"/>
+                <a:ea typeface="宋体" panose="02010600030101010101" pitchFamily="2" charset="-122"/>
+              </a:rPr>
+              <a:t>。那么，</a:t>
+            </a:r>
+            <a:r>
+              <a:rPr lang="en-US" altLang="zh-CN" sz="3200" dirty="0" smtClean="0">
+                <a:latin typeface="宋体" panose="02010600030101010101" pitchFamily="2" charset="-122"/>
+                <a:ea typeface="宋体" panose="02010600030101010101" pitchFamily="2" charset="-122"/>
+              </a:rPr>
+              <a:t>A,B,C</a:t>
+            </a:r>
+            <a:r>
+              <a:rPr lang="zh-CN" altLang="en-US" sz="3200" dirty="0" smtClean="0">
+                <a:latin typeface="宋体" panose="02010600030101010101" pitchFamily="2" charset="-122"/>
+                <a:ea typeface="宋体" panose="02010600030101010101" pitchFamily="2" charset="-122"/>
+              </a:rPr>
+              <a:t>都会接收到横竖屏的事件</a:t>
+            </a:r>
+            <a:r>
+              <a:rPr lang="en-US" sz="3200" dirty="0" smtClean="0">
+                <a:latin typeface="宋体" panose="02010600030101010101" pitchFamily="2" charset="-122"/>
+                <a:ea typeface="宋体" panose="02010600030101010101" pitchFamily="2" charset="-122"/>
+              </a:rPr>
+              <a:t/>
+            </a:r>
+            <a:br>
+              <a:rPr lang="en-US" sz="3200" dirty="0" smtClean="0">
+                <a:latin typeface="宋体" panose="02010600030101010101" pitchFamily="2" charset="-122"/>
+                <a:ea typeface="宋体" panose="02010600030101010101" pitchFamily="2" charset="-122"/>
+              </a:rPr>
+            </a:br>
+            <a:r>
+              <a:rPr lang="en-US" sz="3200" dirty="0" smtClean="0">
+                <a:latin typeface="宋体" panose="02010600030101010101" pitchFamily="2" charset="-122"/>
+                <a:ea typeface="宋体" panose="02010600030101010101" pitchFamily="2" charset="-122"/>
+              </a:rPr>
+              <a:t/>
+            </a:r>
+            <a:br>
+              <a:rPr lang="en-US" sz="3200" dirty="0" smtClean="0">
+                <a:latin typeface="宋体" panose="02010600030101010101" pitchFamily="2" charset="-122"/>
+                <a:ea typeface="宋体" panose="02010600030101010101" pitchFamily="2" charset="-122"/>
+              </a:rPr>
+            </a:br>
+            <a:r>
+              <a:rPr lang="en-US" sz="3200" dirty="0" smtClean="0">
+                <a:latin typeface="宋体" panose="02010600030101010101" pitchFamily="2" charset="-122"/>
+                <a:ea typeface="宋体" panose="02010600030101010101" pitchFamily="2" charset="-122"/>
+              </a:rPr>
+              <a:t/>
+            </a:r>
+            <a:br>
+              <a:rPr lang="en-US" sz="3200" dirty="0" smtClean="0">
+                <a:latin typeface="宋体" panose="02010600030101010101" pitchFamily="2" charset="-122"/>
+                <a:ea typeface="宋体" panose="02010600030101010101" pitchFamily="2" charset="-122"/>
+              </a:rPr>
+            </a:br>
+            <a:r>
+              <a:rPr lang="en-US" sz="3200" dirty="0" smtClean="0">
+                <a:latin typeface="宋体" panose="02010600030101010101" pitchFamily="2" charset="-122"/>
+                <a:ea typeface="宋体" panose="02010600030101010101" pitchFamily="2" charset="-122"/>
+              </a:rPr>
+              <a:t/>
+            </a:r>
+            <a:br>
+              <a:rPr lang="en-US" sz="3200" dirty="0" smtClean="0">
+                <a:latin typeface="宋体" panose="02010600030101010101" pitchFamily="2" charset="-122"/>
+                <a:ea typeface="宋体" panose="02010600030101010101" pitchFamily="2" charset="-122"/>
+              </a:rPr>
+            </a:br>
+            <a:r>
+              <a:rPr lang="en-US" sz="3200" dirty="0" smtClean="0">
+                <a:latin typeface="宋体" panose="02010600030101010101" pitchFamily="2" charset="-122"/>
+                <a:ea typeface="宋体" panose="02010600030101010101" pitchFamily="2" charset="-122"/>
+              </a:rPr>
+              <a:t/>
+            </a:r>
+            <a:br>
+              <a:rPr lang="en-US" sz="3200" dirty="0" smtClean="0">
+                <a:latin typeface="宋体" panose="02010600030101010101" pitchFamily="2" charset="-122"/>
+                <a:ea typeface="宋体" panose="02010600030101010101" pitchFamily="2" charset="-122"/>
+              </a:rPr>
+            </a:br>
+            <a:r>
+              <a:rPr lang="en-US" altLang="zh-CN" sz="3200" dirty="0" smtClean="0">
+                <a:latin typeface="宋体" panose="02010600030101010101" pitchFamily="2" charset="-122"/>
+                <a:ea typeface="宋体" panose="02010600030101010101" pitchFamily="2" charset="-122"/>
+              </a:rPr>
+              <a:t/>
+            </a:r>
+            <a:br>
+              <a:rPr lang="en-US" altLang="zh-CN" sz="3200" dirty="0" smtClean="0">
+                <a:latin typeface="宋体" panose="02010600030101010101" pitchFamily="2" charset="-122"/>
+                <a:ea typeface="宋体" panose="02010600030101010101" pitchFamily="2" charset="-122"/>
+              </a:rPr>
+            </a:br>
+            <a:r>
+              <a:rPr lang="en-US" altLang="zh-CN" sz="3200" dirty="0" smtClean="0">
+                <a:latin typeface="宋体" panose="02010600030101010101" pitchFamily="2" charset="-122"/>
+                <a:ea typeface="宋体" panose="02010600030101010101" pitchFamily="2" charset="-122"/>
+              </a:rPr>
+              <a:t>	</a:t>
+            </a:r>
           </a:p>
         </p:txBody>
       </p:sp>
     </p:spTree>
+    <p:extLst>
+      <p:ext uri="{BB962C8B-B14F-4D97-AF65-F5344CB8AC3E}">
+        <p14:creationId xmlns:p14="http://schemas.microsoft.com/office/powerpoint/2010/main" val="2290837386"/>
+      </p:ext>
+    </p:extLst>
   </p:cSld>
   <p:clrMapOvr>
     <a:masterClrMapping/>
@@ -4911,55 +5228,181 @@
           <a:p>
             <a:pPr algn="l"/>
             <a:r>
-              <a:rPr lang="en-US" altLang="zh-CN" dirty="0" smtClean="0">
-                <a:latin typeface="华文楷体" pitchFamily="2" charset="-122"/>
-                <a:ea typeface="华文楷体" pitchFamily="2" charset="-122"/>
-              </a:rPr>
-              <a:t>2</a:t>
-            </a:r>
-            <a:r>
-              <a:rPr lang="zh-CN" altLang="en-US" dirty="0" smtClean="0">
-                <a:latin typeface="华文楷体" pitchFamily="2" charset="-122"/>
-                <a:ea typeface="华文楷体" pitchFamily="2" charset="-122"/>
-              </a:rPr>
-              <a:t>、</a:t>
-            </a:r>
-            <a:r>
-              <a:rPr dirty="0" smtClean="0">
-                <a:latin typeface="华文楷体" pitchFamily="2" charset="-122"/>
-                <a:ea typeface="华文楷体" pitchFamily="2" charset="-122"/>
-              </a:rPr>
-              <a:t>Service的启动</a:t>
-            </a:r>
-            <a:br>
-              <a:rPr lang="en-US" altLang="zh-CN" sz="3200" dirty="0" smtClean="0"/>
-            </a:br>
-            <a:r>
-              <a:rPr lang="en-US" altLang="zh-CN" sz="3200" dirty="0" smtClean="0"/>
+              <a:rPr lang="en-US" altLang="zh-CN" sz="4800" dirty="0" smtClean="0"/>
+              <a:t/>
+            </a:r>
+            <a:br>
+              <a:rPr lang="en-US" altLang="zh-CN" sz="4800" dirty="0" smtClean="0"/>
+            </a:br>
+            <a:r>
+              <a:rPr lang="en-US" altLang="zh-CN" sz="4800" dirty="0"/>
+              <a:t/>
+            </a:r>
+            <a:br>
+              <a:rPr lang="en-US" altLang="zh-CN" sz="4800" dirty="0"/>
+            </a:br>
+            <a:r>
+              <a:rPr lang="en-US" altLang="zh-CN" sz="4800" dirty="0" smtClean="0"/>
+              <a:t/>
+            </a:r>
+            <a:br>
+              <a:rPr lang="en-US" altLang="zh-CN" sz="4800" dirty="0" smtClean="0"/>
+            </a:br>
+            <a:r>
+              <a:rPr lang="en-US" altLang="zh-CN" sz="4800" dirty="0" smtClean="0"/>
+              <a:t>4</a:t>
+            </a:r>
+            <a:r>
+              <a:rPr lang="zh-CN" altLang="en-US" sz="4800" dirty="0" smtClean="0"/>
+              <a:t>、横竖屏切换</a:t>
+            </a:r>
+            <a:r>
+              <a:rPr lang="en-US" altLang="zh-CN" dirty="0" smtClean="0"/>
+              <a:t/>
+            </a:r>
+            <a:br>
+              <a:rPr lang="en-US" altLang="zh-CN" dirty="0" smtClean="0"/>
+            </a:br>
+            <a:r>
+              <a:rPr lang="en-US" altLang="zh-CN" dirty="0" smtClean="0"/>
               <a:t>	</a:t>
             </a:r>
             <a:r>
-              <a:rPr lang="en-US" altLang="zh-CN" sz="3200" b="0" dirty="0" smtClean="0">
-                <a:latin typeface="宋体" panose="02010600030101010101" pitchFamily="2" charset="-122"/>
-                <a:ea typeface="宋体" panose="02010600030101010101" pitchFamily="2" charset="-122"/>
-              </a:rPr>
-              <a:t>1</a:t>
-            </a:r>
-            <a:r>
-              <a:rPr lang="zh-CN" altLang="en-US" sz="3200" b="0" dirty="0" smtClean="0">
-                <a:latin typeface="宋体" panose="02010600030101010101" pitchFamily="2" charset="-122"/>
-                <a:ea typeface="宋体" panose="02010600030101010101" pitchFamily="2" charset="-122"/>
-              </a:rPr>
-              <a:t>，通过startService启动，Service启动的时候会经历生成开始（onCreate-&gt;onStartCommand）过程，Service停止的时候直接进入销毁过程（onDestroy）</a:t>
-            </a:r>
-            <a:endParaRPr lang="zh-CN" altLang="en-US" sz="3200" b="0" dirty="0" smtClean="0">
-              <a:latin typeface="宋体" panose="02010600030101010101" pitchFamily="2" charset="-122"/>
-              <a:ea typeface="宋体" panose="02010600030101010101" pitchFamily="2" charset="-122"/>
-            </a:endParaRPr>
+              <a:rPr lang="en-US" altLang="zh-CN" sz="3200" dirty="0" smtClean="0">
+                <a:latin typeface="宋体" panose="02010600030101010101" pitchFamily="2" charset="-122"/>
+                <a:ea typeface="宋体" panose="02010600030101010101" pitchFamily="2" charset="-122"/>
+              </a:rPr>
+              <a:t>3</a:t>
+            </a:r>
+            <a:r>
+              <a:rPr lang="zh-CN" altLang="en-US" sz="3200" dirty="0" smtClean="0">
+                <a:latin typeface="宋体" panose="02010600030101010101" pitchFamily="2" charset="-122"/>
+                <a:ea typeface="宋体" panose="02010600030101010101" pitchFamily="2" charset="-122"/>
+              </a:rPr>
+              <a:t>，如果，这些页面设置了</a:t>
+            </a:r>
+            <a:r>
+              <a:rPr lang="en-US" altLang="zh-CN" sz="3200" dirty="0" err="1" smtClean="0">
+                <a:latin typeface="宋体" panose="02010600030101010101" pitchFamily="2" charset="-122"/>
+                <a:ea typeface="宋体" panose="02010600030101010101" pitchFamily="2" charset="-122"/>
+              </a:rPr>
+              <a:t>android:configChanges</a:t>
+            </a:r>
+            <a:r>
+              <a:rPr lang="zh-CN" altLang="en-US" sz="3200" dirty="0" smtClean="0">
+                <a:latin typeface="宋体" panose="02010600030101010101" pitchFamily="2" charset="-122"/>
+                <a:ea typeface="宋体" panose="02010600030101010101" pitchFamily="2" charset="-122"/>
+              </a:rPr>
+              <a:t>，那么他们能收到onConfigurationChanged；反之，就会执行</a:t>
+            </a:r>
+            <a:r>
+              <a:rPr lang="en-US" altLang="zh-CN" sz="3200" dirty="0" err="1" smtClean="0">
+                <a:latin typeface="宋体" panose="02010600030101010101" pitchFamily="2" charset="-122"/>
+                <a:ea typeface="宋体" panose="02010600030101010101" pitchFamily="2" charset="-122"/>
+              </a:rPr>
+              <a:t>onDestroy</a:t>
+            </a:r>
+            <a:r>
+              <a:rPr lang="zh-CN" altLang="en-US" sz="3200" dirty="0" smtClean="0">
+                <a:latin typeface="宋体" panose="02010600030101010101" pitchFamily="2" charset="-122"/>
+                <a:ea typeface="宋体" panose="02010600030101010101" pitchFamily="2" charset="-122"/>
+              </a:rPr>
+              <a:t>等生命周期</a:t>
+            </a:r>
+            <a:r>
+              <a:rPr lang="en-US" sz="3200" dirty="0" smtClean="0">
+                <a:latin typeface="宋体" panose="02010600030101010101" pitchFamily="2" charset="-122"/>
+                <a:ea typeface="宋体" panose="02010600030101010101" pitchFamily="2" charset="-122"/>
+              </a:rPr>
+              <a:t/>
+            </a:r>
+            <a:br>
+              <a:rPr lang="en-US" sz="3200" dirty="0" smtClean="0">
+                <a:latin typeface="宋体" panose="02010600030101010101" pitchFamily="2" charset="-122"/>
+                <a:ea typeface="宋体" panose="02010600030101010101" pitchFamily="2" charset="-122"/>
+              </a:rPr>
+            </a:br>
+            <a:r>
+              <a:rPr lang="en-US" sz="3200" dirty="0" smtClean="0">
+                <a:latin typeface="宋体" panose="02010600030101010101" pitchFamily="2" charset="-122"/>
+                <a:ea typeface="宋体" panose="02010600030101010101" pitchFamily="2" charset="-122"/>
+              </a:rPr>
+              <a:t/>
+            </a:r>
+            <a:br>
+              <a:rPr lang="en-US" sz="3200" dirty="0" smtClean="0">
+                <a:latin typeface="宋体" panose="02010600030101010101" pitchFamily="2" charset="-122"/>
+                <a:ea typeface="宋体" panose="02010600030101010101" pitchFamily="2" charset="-122"/>
+              </a:rPr>
+            </a:br>
+            <a:r>
+              <a:rPr lang="en-US" sz="3200" dirty="0" smtClean="0">
+                <a:latin typeface="宋体" panose="02010600030101010101" pitchFamily="2" charset="-122"/>
+                <a:ea typeface="宋体" panose="02010600030101010101" pitchFamily="2" charset="-122"/>
+              </a:rPr>
+              <a:t/>
+            </a:r>
+            <a:br>
+              <a:rPr lang="en-US" sz="3200" dirty="0" smtClean="0">
+                <a:latin typeface="宋体" panose="02010600030101010101" pitchFamily="2" charset="-122"/>
+                <a:ea typeface="宋体" panose="02010600030101010101" pitchFamily="2" charset="-122"/>
+              </a:rPr>
+            </a:br>
+            <a:r>
+              <a:rPr lang="en-US" sz="3200" dirty="0" smtClean="0">
+                <a:latin typeface="宋体" panose="02010600030101010101" pitchFamily="2" charset="-122"/>
+                <a:ea typeface="宋体" panose="02010600030101010101" pitchFamily="2" charset="-122"/>
+              </a:rPr>
+              <a:t/>
+            </a:r>
+            <a:br>
+              <a:rPr lang="en-US" sz="3200" dirty="0" smtClean="0">
+                <a:latin typeface="宋体" panose="02010600030101010101" pitchFamily="2" charset="-122"/>
+                <a:ea typeface="宋体" panose="02010600030101010101" pitchFamily="2" charset="-122"/>
+              </a:rPr>
+            </a:br>
+            <a:r>
+              <a:rPr lang="en-US" sz="3200" dirty="0" smtClean="0">
+                <a:latin typeface="宋体" panose="02010600030101010101" pitchFamily="2" charset="-122"/>
+                <a:ea typeface="宋体" panose="02010600030101010101" pitchFamily="2" charset="-122"/>
+              </a:rPr>
+              <a:t/>
+            </a:r>
+            <a:br>
+              <a:rPr lang="en-US" sz="3200" dirty="0" smtClean="0">
+                <a:latin typeface="宋体" panose="02010600030101010101" pitchFamily="2" charset="-122"/>
+                <a:ea typeface="宋体" panose="02010600030101010101" pitchFamily="2" charset="-122"/>
+              </a:rPr>
+            </a:br>
+            <a:r>
+              <a:rPr lang="en-US" altLang="zh-CN" sz="3200" dirty="0" smtClean="0">
+                <a:latin typeface="宋体" panose="02010600030101010101" pitchFamily="2" charset="-122"/>
+                <a:ea typeface="宋体" panose="02010600030101010101" pitchFamily="2" charset="-122"/>
+              </a:rPr>
+              <a:t/>
+            </a:r>
+            <a:br>
+              <a:rPr lang="en-US" altLang="zh-CN" sz="3200" dirty="0" smtClean="0">
+                <a:latin typeface="宋体" panose="02010600030101010101" pitchFamily="2" charset="-122"/>
+                <a:ea typeface="宋体" panose="02010600030101010101" pitchFamily="2" charset="-122"/>
+              </a:rPr>
+            </a:br>
+            <a:r>
+              <a:rPr lang="en-US" altLang="zh-CN" sz="3200" dirty="0" smtClean="0">
+                <a:latin typeface="宋体" panose="02010600030101010101" pitchFamily="2" charset="-122"/>
+                <a:ea typeface="宋体" panose="02010600030101010101" pitchFamily="2" charset="-122"/>
+              </a:rPr>
+              <a:t>	</a:t>
+            </a:r>
           </a:p>
         </p:txBody>
       </p:sp>
     </p:spTree>
+    <p:extLst>
+      <p:ext uri="{BB962C8B-B14F-4D97-AF65-F5344CB8AC3E}">
+        <p14:creationId xmlns:p14="http://schemas.microsoft.com/office/powerpoint/2010/main" val="1430886441"/>
+      </p:ext>
+    </p:extLst>
   </p:cSld>
   <p:clrMapOvr>
     <a:masterClrMapping/>
@@ -5017,7 +5460,7 @@
                 <a:latin typeface="华文楷体" pitchFamily="2" charset="-122"/>
                 <a:ea typeface="华文楷体" pitchFamily="2" charset="-122"/>
               </a:rPr>
-              <a:t>2</a:t>
+              <a:t>1</a:t>
             </a:r>
             <a:r>
               <a:rPr lang="zh-CN" altLang="en-US" dirty="0" smtClean="0">
@@ -5027,37 +5470,46 @@
               <a:t>、</a:t>
             </a:r>
             <a:r>
-              <a:rPr dirty="0" smtClean="0">
+              <a:rPr lang="en-US" altLang="zh-CN" dirty="0" smtClean="0">
                 <a:latin typeface="华文楷体" pitchFamily="2" charset="-122"/>
                 <a:ea typeface="华文楷体" pitchFamily="2" charset="-122"/>
               </a:rPr>
-              <a:t>Service的启动</a:t>
-            </a:r>
-            <a:br>
+              <a:t>Service</a:t>
+            </a:r>
+            <a:r>
+              <a:rPr lang="zh-CN" altLang="en-US" dirty="0" smtClean="0">
+                <a:latin typeface="华文楷体" pitchFamily="2" charset="-122"/>
+                <a:ea typeface="华文楷体" pitchFamily="2" charset="-122"/>
+              </a:rPr>
+              <a:t>的概念</a:t>
+            </a:r>
+            <a:br>
+              <a:rPr lang="zh-CN" altLang="en-US" dirty="0" smtClean="0">
+                <a:latin typeface="华文楷体" pitchFamily="2" charset="-122"/>
+                <a:ea typeface="华文楷体" pitchFamily="2" charset="-122"/>
+              </a:rPr>
+            </a:br>
+            <a:r>
+              <a:rPr lang="en-US" altLang="zh-CN" dirty="0" smtClean="0"/>
+              <a:t/>
+            </a:r>
+            <a:br>
+              <a:rPr lang="en-US" altLang="zh-CN" dirty="0" smtClean="0"/>
+            </a:br>
+            <a:r>
               <a:rPr lang="en-US" altLang="zh-CN" sz="3200" dirty="0" smtClean="0"/>
-            </a:br>
-            <a:r>
+              <a:t>Android中的Service，其意思是“服务”，它是在后台运行，不可交互的</a:t>
+            </a:r>
+            <a:br>
               <a:rPr lang="en-US" altLang="zh-CN" sz="3200" dirty="0" smtClean="0"/>
-              <a:t>	</a:t>
-            </a:r>
+            </a:br>
             <a:r>
               <a:rPr lang="en-US" altLang="zh-CN" sz="3200" b="0" dirty="0" smtClean="0">
                 <a:latin typeface="宋体" panose="02010600030101010101" pitchFamily="2" charset="-122"/>
                 <a:ea typeface="宋体" panose="02010600030101010101" pitchFamily="2" charset="-122"/>
               </a:rPr>
-              <a:t>2</a:t>
-            </a:r>
-            <a:r>
-              <a:rPr lang="zh-CN" altLang="en-US" sz="3200" b="0" dirty="0" smtClean="0">
-                <a:latin typeface="宋体" panose="02010600030101010101" pitchFamily="2" charset="-122"/>
-                <a:ea typeface="宋体" panose="02010600030101010101" pitchFamily="2" charset="-122"/>
-              </a:rPr>
-              <a:t>，通过bindService启动，通过bindService方法启动Service，其运行onCreate-&gt;onBind方法，如果调用退出了，Service会调用onUnbind，onDestroyed方法。</a:t>
-            </a:r>
-            <a:endParaRPr lang="zh-CN" altLang="en-US" sz="3200" b="0" dirty="0" smtClean="0">
-              <a:latin typeface="宋体" panose="02010600030101010101" pitchFamily="2" charset="-122"/>
-              <a:ea typeface="宋体" panose="02010600030101010101" pitchFamily="2" charset="-122"/>
-            </a:endParaRPr>
+              <a:t>关于Service和AIDL的使用，参考：http://www.jianshu.com/p/123a94ac9b42</a:t>
+            </a:r>
           </a:p>
         </p:txBody>
       </p:sp>
@@ -5119,7 +5571,7 @@
                 <a:latin typeface="华文楷体" pitchFamily="2" charset="-122"/>
                 <a:ea typeface="华文楷体" pitchFamily="2" charset="-122"/>
               </a:rPr>
-              <a:t>3</a:t>
+              <a:t>2</a:t>
             </a:r>
             <a:r>
               <a:rPr lang="zh-CN" altLang="en-US" dirty="0" smtClean="0">
@@ -5129,11 +5581,15 @@
               <a:t>、</a:t>
             </a:r>
             <a:r>
-              <a:rPr lang="zh-CN" dirty="0" smtClean="0">
+              <a:rPr dirty="0" smtClean="0">
                 <a:latin typeface="华文楷体" pitchFamily="2" charset="-122"/>
                 <a:ea typeface="华文楷体" pitchFamily="2" charset="-122"/>
               </a:rPr>
-              <a:t>生命周期</a:t>
+              <a:t>Service的启动</a:t>
+            </a:r>
+            <a:r>
+              <a:rPr lang="en-US" altLang="zh-CN" sz="3200" dirty="0" smtClean="0"/>
+              <a:t/>
             </a:r>
             <a:br>
               <a:rPr lang="en-US" altLang="zh-CN" sz="3200" dirty="0" smtClean="0"/>
@@ -5142,37 +5598,23 @@
               <a:rPr lang="en-US" altLang="zh-CN" sz="3200" dirty="0" smtClean="0"/>
               <a:t>	</a:t>
             </a:r>
-            <a:endParaRPr lang="zh-CN" altLang="en-US" sz="3200" b="0" dirty="0" smtClean="0">
-              <a:latin typeface="宋体" panose="02010600030101010101" pitchFamily="2" charset="-122"/>
-              <a:ea typeface="宋体" panose="02010600030101010101" pitchFamily="2" charset="-122"/>
-            </a:endParaRPr>
-          </a:p>
-        </p:txBody>
-      </p:sp>
-      <p:pic>
-        <p:nvPicPr>
-          <p:cNvPr id="3" name="图片 2" descr="24233205-ccefbc4a326048d79b111d05d1f8ff03"/>
-          <p:cNvPicPr>
-            <a:picLocks noChangeAspect="1"/>
-          </p:cNvPicPr>
-          <p:nvPr/>
-        </p:nvPicPr>
-        <p:blipFill>
-          <a:blip r:embed="rId1"/>
-          <a:stretch>
-            <a:fillRect/>
-          </a:stretch>
-        </p:blipFill>
-        <p:spPr>
-          <a:xfrm>
-            <a:off x="3893185" y="1589088"/>
-            <a:ext cx="5271770" cy="4311015"/>
-          </a:xfrm>
-          <a:prstGeom prst="rect">
-            <a:avLst/>
-          </a:prstGeom>
-        </p:spPr>
-      </p:pic>
+            <a:r>
+              <a:rPr lang="en-US" altLang="zh-CN" sz="3200" b="0" dirty="0" smtClean="0">
+                <a:latin typeface="宋体" panose="02010600030101010101" pitchFamily="2" charset="-122"/>
+                <a:ea typeface="宋体" panose="02010600030101010101" pitchFamily="2" charset="-122"/>
+              </a:rPr>
+              <a:t>1</a:t>
+            </a:r>
+            <a:r>
+              <a:rPr lang="zh-CN" altLang="en-US" sz="3200" b="0" dirty="0" smtClean="0">
+                <a:latin typeface="宋体" panose="02010600030101010101" pitchFamily="2" charset="-122"/>
+                <a:ea typeface="宋体" panose="02010600030101010101" pitchFamily="2" charset="-122"/>
+              </a:rPr>
+              <a:t>，通过startService启动，Service启动的时候会经历生成开始（onCreate-&gt;onStartCommand）过程，Service停止的时候直接进入销毁过程（onDestroy）</a:t>
+            </a:r>
+          </a:p>
+        </p:txBody>
+      </p:sp>
     </p:spTree>
   </p:cSld>
   <p:clrMapOvr>
@@ -5231,7 +5673,7 @@
                 <a:latin typeface="华文楷体" pitchFamily="2" charset="-122"/>
                 <a:ea typeface="华文楷体" pitchFamily="2" charset="-122"/>
               </a:rPr>
-              <a:t>3</a:t>
+              <a:t>2</a:t>
             </a:r>
             <a:r>
               <a:rPr lang="zh-CN" altLang="en-US" dirty="0" smtClean="0">
@@ -5241,38 +5683,15 @@
               <a:t>、</a:t>
             </a:r>
             <a:r>
-              <a:rPr lang="zh-CN" dirty="0" smtClean="0">
+              <a:rPr dirty="0" smtClean="0">
                 <a:latin typeface="华文楷体" pitchFamily="2" charset="-122"/>
                 <a:ea typeface="华文楷体" pitchFamily="2" charset="-122"/>
               </a:rPr>
-              <a:t>生命周期</a:t>
-            </a:r>
-            <a:br>
-              <a:rPr lang="zh-CN" dirty="0" smtClean="0">
-                <a:latin typeface="华文楷体" pitchFamily="2" charset="-122"/>
-                <a:ea typeface="华文楷体" pitchFamily="2" charset="-122"/>
-              </a:rPr>
-            </a:br>
-            <a:r>
-              <a:rPr lang="zh-CN" sz="3200" b="0" dirty="0" smtClean="0">
-                <a:latin typeface="宋体" panose="02010600030101010101" pitchFamily="2" charset="-122"/>
-                <a:ea typeface="宋体" panose="02010600030101010101" pitchFamily="2" charset="-122"/>
-              </a:rPr>
-              <a:t>注意：</a:t>
-            </a:r>
-            <a:r>
-              <a:rPr lang="en-US" altLang="zh-CN" sz="3200" b="0" dirty="0" smtClean="0">
-                <a:latin typeface="宋体" panose="02010600030101010101" pitchFamily="2" charset="-122"/>
-                <a:ea typeface="宋体" panose="02010600030101010101" pitchFamily="2" charset="-122"/>
-              </a:rPr>
-              <a:t>1</a:t>
-            </a:r>
-            <a:r>
-              <a:rPr lang="zh-CN" altLang="en-US" sz="3200" b="0" dirty="0" smtClean="0">
-                <a:latin typeface="宋体" panose="02010600030101010101" pitchFamily="2" charset="-122"/>
-                <a:ea typeface="宋体" panose="02010600030101010101" pitchFamily="2" charset="-122"/>
-              </a:rPr>
-              <a:t>，两种开启Service的方式有一些生命周期的不同；如果只是startService，那么我们一般就只是当作一个异步任务。这种情况比较少，一般，我们都会配合bindService，来把Service当作一个服务器端，我们调用bindService的就是客户端</a:t>
+              <a:t>Service的启动</a:t>
+            </a:r>
+            <a:r>
+              <a:rPr lang="en-US" altLang="zh-CN" sz="3200" dirty="0" smtClean="0"/>
+              <a:t/>
             </a:r>
             <a:br>
               <a:rPr lang="en-US" altLang="zh-CN" sz="3200" dirty="0" smtClean="0"/>
@@ -5281,10 +5700,20 @@
               <a:rPr lang="en-US" altLang="zh-CN" sz="3200" dirty="0" smtClean="0"/>
               <a:t>	</a:t>
             </a:r>
-            <a:endParaRPr lang="zh-CN" altLang="en-US" sz="3200" b="0" dirty="0" smtClean="0">
-              <a:latin typeface="宋体" panose="02010600030101010101" pitchFamily="2" charset="-122"/>
-              <a:ea typeface="宋体" panose="02010600030101010101" pitchFamily="2" charset="-122"/>
-            </a:endParaRPr>
+            <a:r>
+              <a:rPr lang="en-US" altLang="zh-CN" sz="3200" b="0" dirty="0" smtClean="0">
+                <a:latin typeface="宋体" panose="02010600030101010101" pitchFamily="2" charset="-122"/>
+                <a:ea typeface="宋体" panose="02010600030101010101" pitchFamily="2" charset="-122"/>
+              </a:rPr>
+              <a:t>2</a:t>
+            </a:r>
+            <a:r>
+              <a:rPr lang="zh-CN" altLang="en-US" sz="3200" b="0" dirty="0" smtClean="0">
+                <a:latin typeface="宋体" panose="02010600030101010101" pitchFamily="2" charset="-122"/>
+                <a:ea typeface="宋体" panose="02010600030101010101" pitchFamily="2" charset="-122"/>
+              </a:rPr>
+              <a:t>，通过bindService启动，通过bindService方法启动Service，其运行onCreate-&gt;onBind方法，如果调用退出了，Service会调用onUnbind，onDestroyed方法。</a:t>
+            </a:r>
           </a:p>
         </p:txBody>
       </p:sp>
@@ -5362,32 +5791,9 @@
               </a:rPr>
               <a:t>生命周期</a:t>
             </a:r>
-            <a:br>
-              <a:rPr lang="zh-CN" dirty="0" smtClean="0">
-                <a:latin typeface="华文楷体" pitchFamily="2" charset="-122"/>
-                <a:ea typeface="华文楷体" pitchFamily="2" charset="-122"/>
-              </a:rPr>
-            </a:br>
-            <a:r>
-              <a:rPr lang="zh-CN" sz="3200" b="0" dirty="0" smtClean="0">
-                <a:latin typeface="宋体" panose="02010600030101010101" pitchFamily="2" charset="-122"/>
-                <a:ea typeface="宋体" panose="02010600030101010101" pitchFamily="2" charset="-122"/>
-              </a:rPr>
-              <a:t>注意：</a:t>
-            </a:r>
-            <a:r>
-              <a:rPr lang="en-US" altLang="zh-CN" sz="3200" b="0" dirty="0" smtClean="0">
-                <a:latin typeface="宋体" panose="02010600030101010101" pitchFamily="2" charset="-122"/>
-                <a:ea typeface="宋体" panose="02010600030101010101" pitchFamily="2" charset="-122"/>
-              </a:rPr>
-              <a:t>2</a:t>
-            </a:r>
-            <a:r>
-              <a:rPr lang="zh-CN" altLang="en-US" sz="3200" b="0" dirty="0" smtClean="0">
-                <a:latin typeface="宋体" panose="02010600030101010101" pitchFamily="2" charset="-122"/>
-                <a:ea typeface="宋体" panose="02010600030101010101" pitchFamily="2" charset="-122"/>
-              </a:rPr>
-              <a:t>，startService可以不停的调用，第一次调用会执行onCreate，后面不会执行，后面会执行onStartCommand；bindService，如果不停调用，实际上并不会产生作用</a:t>
+            <a:r>
+              <a:rPr lang="en-US" altLang="zh-CN" sz="3200" dirty="0" smtClean="0"/>
+              <a:t/>
             </a:r>
             <a:br>
               <a:rPr lang="en-US" altLang="zh-CN" sz="3200" dirty="0" smtClean="0"/>
@@ -5403,6 +5809,30 @@
           </a:p>
         </p:txBody>
       </p:sp>
+      <p:pic>
+        <p:nvPicPr>
+          <p:cNvPr id="3" name="图片 2" descr="24233205-ccefbc4a326048d79b111d05d1f8ff03"/>
+          <p:cNvPicPr>
+            <a:picLocks noChangeAspect="1"/>
+          </p:cNvPicPr>
+          <p:nvPr/>
+        </p:nvPicPr>
+        <p:blipFill>
+          <a:blip r:embed="rId2"/>
+          <a:stretch>
+            <a:fillRect/>
+          </a:stretch>
+        </p:blipFill>
+        <p:spPr>
+          <a:xfrm>
+            <a:off x="3893185" y="1589088"/>
+            <a:ext cx="5271770" cy="4311015"/>
+          </a:xfrm>
+          <a:prstGeom prst="rect">
+            <a:avLst/>
+          </a:prstGeom>
+        </p:spPr>
+      </p:pic>
     </p:spTree>
   </p:cSld>
   <p:clrMapOvr>
@@ -5457,41 +5887,65 @@
           <a:p>
             <a:pPr algn="l"/>
             <a:r>
-              <a:rPr lang="en-US" altLang="zh-CN" dirty="0" smtClean="0"/>
-              <a:t>4</a:t>
-            </a:r>
-            <a:r>
-              <a:rPr lang="zh-CN" altLang="en-US" dirty="0" smtClean="0"/>
-              <a:t>、横竖屏切换</a:t>
-            </a:r>
-            <a:br>
-              <a:rPr lang="en-US" altLang="zh-CN" dirty="0" smtClean="0"/>
-            </a:br>
-            <a:r>
-              <a:rPr lang="en-US" altLang="zh-CN" dirty="0" smtClean="0"/>
+              <a:rPr lang="en-US" altLang="zh-CN" dirty="0" smtClean="0">
+                <a:latin typeface="华文楷体" pitchFamily="2" charset="-122"/>
+                <a:ea typeface="华文楷体" pitchFamily="2" charset="-122"/>
+              </a:rPr>
+              <a:t>3</a:t>
+            </a:r>
+            <a:r>
+              <a:rPr lang="zh-CN" altLang="en-US" dirty="0" smtClean="0">
+                <a:latin typeface="华文楷体" pitchFamily="2" charset="-122"/>
+                <a:ea typeface="华文楷体" pitchFamily="2" charset="-122"/>
+              </a:rPr>
+              <a:t>、</a:t>
+            </a:r>
+            <a:r>
+              <a:rPr lang="zh-CN" dirty="0" smtClean="0">
+                <a:latin typeface="华文楷体" pitchFamily="2" charset="-122"/>
+                <a:ea typeface="华文楷体" pitchFamily="2" charset="-122"/>
+              </a:rPr>
+              <a:t>生命周期</a:t>
+            </a:r>
+            <a:br>
+              <a:rPr lang="zh-CN" dirty="0" smtClean="0">
+                <a:latin typeface="华文楷体" pitchFamily="2" charset="-122"/>
+                <a:ea typeface="华文楷体" pitchFamily="2" charset="-122"/>
+              </a:rPr>
+            </a:br>
+            <a:r>
+              <a:rPr lang="zh-CN" sz="3200" b="0" dirty="0" smtClean="0">
+                <a:latin typeface="宋体" panose="02010600030101010101" pitchFamily="2" charset="-122"/>
+                <a:ea typeface="宋体" panose="02010600030101010101" pitchFamily="2" charset="-122"/>
+              </a:rPr>
+              <a:t>注意：</a:t>
+            </a:r>
+            <a:r>
+              <a:rPr lang="en-US" altLang="zh-CN" sz="3200" b="0" dirty="0" smtClean="0">
+                <a:latin typeface="宋体" panose="02010600030101010101" pitchFamily="2" charset="-122"/>
+                <a:ea typeface="宋体" panose="02010600030101010101" pitchFamily="2" charset="-122"/>
+              </a:rPr>
+              <a:t>1</a:t>
+            </a:r>
+            <a:r>
+              <a:rPr lang="zh-CN" altLang="en-US" sz="3200" b="0" dirty="0" smtClean="0">
+                <a:latin typeface="宋体" panose="02010600030101010101" pitchFamily="2" charset="-122"/>
+                <a:ea typeface="宋体" panose="02010600030101010101" pitchFamily="2" charset="-122"/>
+              </a:rPr>
+              <a:t>，两种开启Service的方式有一些生命周期的不同；如果只是startService，那么我们一般就只是当作一个异步任务。这种情况比较少，一般，我们都会配合bindService，来把Service当作一个服务器端，我们调用bindService的就是客户端</a:t>
+            </a:r>
+            <a:r>
+              <a:rPr lang="en-US" altLang="zh-CN" sz="3200" dirty="0" smtClean="0"/>
+              <a:t/>
+            </a:r>
+            <a:br>
+              <a:rPr lang="en-US" altLang="zh-CN" sz="3200" dirty="0" smtClean="0"/>
+            </a:br>
+            <a:r>
+              <a:rPr lang="en-US" altLang="zh-CN" sz="3200" dirty="0" smtClean="0"/>
               <a:t>	</a:t>
             </a:r>
-            <a:r>
-              <a:rPr lang="en-US" sz="3200" dirty="0" smtClean="0">
-                <a:latin typeface="宋体" panose="02010600030101010101" pitchFamily="2" charset="-122"/>
-                <a:ea typeface="宋体" panose="02010600030101010101" pitchFamily="2" charset="-122"/>
-              </a:rPr>
-              <a:t>1,Service在主配置文件中，没有android:configChanges可以配置，所以当横竖屏切换的时候，Service的onConfigurationChanged默认执行</a:t>
-            </a:r>
-            <a:br>
-              <a:rPr lang="en-US" altLang="zh-CN" sz="3200" dirty="0" smtClean="0">
-                <a:latin typeface="宋体" panose="02010600030101010101" pitchFamily="2" charset="-122"/>
-                <a:ea typeface="宋体" panose="02010600030101010101" pitchFamily="2" charset="-122"/>
-              </a:rPr>
-            </a:br>
-            <a:r>
-              <a:rPr lang="en-US" altLang="zh-CN" sz="3200" dirty="0" smtClean="0">
-                <a:latin typeface="宋体" panose="02010600030101010101" pitchFamily="2" charset="-122"/>
-                <a:ea typeface="宋体" panose="02010600030101010101" pitchFamily="2" charset="-122"/>
-              </a:rPr>
-              <a:t>	</a:t>
-            </a:r>
-            <a:endParaRPr lang="en-US" altLang="zh-CN" sz="3200" dirty="0" smtClean="0">
+            <a:endParaRPr lang="zh-CN" altLang="en-US" sz="3200" b="0" dirty="0" smtClean="0">
               <a:latin typeface="宋体" panose="02010600030101010101" pitchFamily="2" charset="-122"/>
               <a:ea typeface="宋体" panose="02010600030101010101" pitchFamily="2" charset="-122"/>
             </a:endParaRPr>
@@ -5552,48 +6006,65 @@
           <a:p>
             <a:pPr algn="l"/>
             <a:r>
-              <a:rPr lang="en-US" altLang="zh-CN" dirty="0" smtClean="0"/>
-              <a:t>4</a:t>
-            </a:r>
-            <a:r>
-              <a:rPr lang="zh-CN" altLang="en-US" dirty="0" smtClean="0"/>
-              <a:t>、横竖屏切换</a:t>
-            </a:r>
-            <a:br>
-              <a:rPr lang="en-US" altLang="zh-CN" dirty="0" smtClean="0"/>
-            </a:br>
-            <a:r>
-              <a:rPr lang="en-US" altLang="zh-CN" dirty="0" smtClean="0"/>
+              <a:rPr lang="en-US" altLang="zh-CN" dirty="0" smtClean="0">
+                <a:latin typeface="华文楷体" pitchFamily="2" charset="-122"/>
+                <a:ea typeface="华文楷体" pitchFamily="2" charset="-122"/>
+              </a:rPr>
+              <a:t>3</a:t>
+            </a:r>
+            <a:r>
+              <a:rPr lang="zh-CN" altLang="en-US" dirty="0" smtClean="0">
+                <a:latin typeface="华文楷体" pitchFamily="2" charset="-122"/>
+                <a:ea typeface="华文楷体" pitchFamily="2" charset="-122"/>
+              </a:rPr>
+              <a:t>、</a:t>
+            </a:r>
+            <a:r>
+              <a:rPr lang="zh-CN" dirty="0" smtClean="0">
+                <a:latin typeface="华文楷体" pitchFamily="2" charset="-122"/>
+                <a:ea typeface="华文楷体" pitchFamily="2" charset="-122"/>
+              </a:rPr>
+              <a:t>生命周期</a:t>
+            </a:r>
+            <a:br>
+              <a:rPr lang="zh-CN" dirty="0" smtClean="0">
+                <a:latin typeface="华文楷体" pitchFamily="2" charset="-122"/>
+                <a:ea typeface="华文楷体" pitchFamily="2" charset="-122"/>
+              </a:rPr>
+            </a:br>
+            <a:r>
+              <a:rPr lang="zh-CN" sz="3200" b="0" dirty="0" smtClean="0">
+                <a:latin typeface="宋体" panose="02010600030101010101" pitchFamily="2" charset="-122"/>
+                <a:ea typeface="宋体" panose="02010600030101010101" pitchFamily="2" charset="-122"/>
+              </a:rPr>
+              <a:t>注意：</a:t>
+            </a:r>
+            <a:r>
+              <a:rPr lang="en-US" altLang="zh-CN" sz="3200" b="0" dirty="0" smtClean="0">
+                <a:latin typeface="宋体" panose="02010600030101010101" pitchFamily="2" charset="-122"/>
+                <a:ea typeface="宋体" panose="02010600030101010101" pitchFamily="2" charset="-122"/>
+              </a:rPr>
+              <a:t>2</a:t>
+            </a:r>
+            <a:r>
+              <a:rPr lang="zh-CN" altLang="en-US" sz="3200" b="0" dirty="0" smtClean="0">
+                <a:latin typeface="宋体" panose="02010600030101010101" pitchFamily="2" charset="-122"/>
+                <a:ea typeface="宋体" panose="02010600030101010101" pitchFamily="2" charset="-122"/>
+              </a:rPr>
+              <a:t>，startService可以不停的调用，第一次调用会执行onCreate，后面不会执行，后面会执行onStartCommand；bindService，如果不停调用，实际上并不会产生作用</a:t>
+            </a:r>
+            <a:r>
+              <a:rPr lang="en-US" altLang="zh-CN" sz="3200" dirty="0" smtClean="0"/>
+              <a:t/>
+            </a:r>
+            <a:br>
+              <a:rPr lang="en-US" altLang="zh-CN" sz="3200" dirty="0" smtClean="0"/>
+            </a:br>
+            <a:r>
+              <a:rPr lang="en-US" altLang="zh-CN" sz="3200" dirty="0" smtClean="0"/>
               <a:t>	</a:t>
             </a:r>
-            <a:r>
-              <a:rPr lang="en-US" sz="3200" dirty="0" smtClean="0">
-                <a:latin typeface="宋体" panose="02010600030101010101" pitchFamily="2" charset="-122"/>
-                <a:ea typeface="宋体" panose="02010600030101010101" pitchFamily="2" charset="-122"/>
-              </a:rPr>
-              <a:t>2</a:t>
-            </a:r>
-            <a:r>
-              <a:rPr lang="en-US" sz="3200" dirty="0" smtClean="0">
-                <a:latin typeface="宋体" panose="02010600030101010101" pitchFamily="2" charset="-122"/>
-                <a:ea typeface="宋体" panose="02010600030101010101" pitchFamily="2" charset="-122"/>
-              </a:rPr>
-              <a:t>,以bindService的方法开启Service，横竖屏切换的时候，会因为绑定服务端（Service）的客户端（Activity）会被销毁。但是如果客户端配置了android:configChanges，使得客户端只会执行onConfigurationChanged的话，那么Service也就只会执行onConfigurationChanged了。</a:t>
-            </a:r>
-            <a:br>
-              <a:rPr lang="en-US" altLang="zh-CN" sz="3200" dirty="0" smtClean="0">
-                <a:latin typeface="宋体" panose="02010600030101010101" pitchFamily="2" charset="-122"/>
-                <a:ea typeface="宋体" panose="02010600030101010101" pitchFamily="2" charset="-122"/>
-              </a:rPr>
-            </a:br>
-            <a:r>
-              <a:rPr lang="en-US" altLang="zh-CN" sz="3200" dirty="0" smtClean="0">
-                <a:latin typeface="宋体" panose="02010600030101010101" pitchFamily="2" charset="-122"/>
-                <a:ea typeface="宋体" panose="02010600030101010101" pitchFamily="2" charset="-122"/>
-              </a:rPr>
-              <a:t>	</a:t>
-            </a:r>
-            <a:endParaRPr lang="en-US" altLang="zh-CN" sz="3200" dirty="0" smtClean="0">
+            <a:endParaRPr lang="zh-CN" altLang="en-US" sz="3200" b="0" dirty="0" smtClean="0">
               <a:latin typeface="宋体" panose="02010600030101010101" pitchFamily="2" charset="-122"/>
               <a:ea typeface="宋体" panose="02010600030101010101" pitchFamily="2" charset="-122"/>
             </a:endParaRPr>
@@ -5661,6 +6132,10 @@
               <a:rPr lang="zh-CN" altLang="en-US" dirty="0" smtClean="0"/>
               <a:t>、横竖屏切换</a:t>
             </a:r>
+            <a:r>
+              <a:rPr lang="en-US" altLang="zh-CN" dirty="0" smtClean="0"/>
+              <a:t/>
+            </a:r>
             <a:br>
               <a:rPr lang="en-US" altLang="zh-CN" dirty="0" smtClean="0"/>
             </a:br>
@@ -5673,14 +6148,14 @@
                 <a:latin typeface="宋体" panose="02010600030101010101" pitchFamily="2" charset="-122"/>
                 <a:ea typeface="宋体" panose="02010600030101010101" pitchFamily="2" charset="-122"/>
               </a:rPr>
-              <a:t>3</a:t>
-            </a:r>
-            <a:r>
-              <a:rPr lang="en-US" sz="3200" dirty="0" smtClean="0">
-                <a:latin typeface="宋体" panose="02010600030101010101" pitchFamily="2" charset="-122"/>
-                <a:ea typeface="宋体" panose="02010600030101010101" pitchFamily="2" charset="-122"/>
-              </a:rPr>
-              <a:t>,以startService的方法开启Service，横竖屏切换的时候，只会收到onConfigurationChanged事件，其他的回调，都不会执行</a:t>
+              <a:t>1,Service在主配置文件中，没有android:configChanges可以配置，所以当横竖屏切换的时候，Service的onConfigurationChanged默认执行</a:t>
+            </a:r>
+            <a:r>
+              <a:rPr lang="en-US" altLang="zh-CN" sz="3200" dirty="0" smtClean="0">
+                <a:latin typeface="宋体" panose="02010600030101010101" pitchFamily="2" charset="-122"/>
+                <a:ea typeface="宋体" panose="02010600030101010101" pitchFamily="2" charset="-122"/>
+              </a:rPr>
+              <a:t/>
             </a:r>
             <a:br>
               <a:rPr lang="en-US" altLang="zh-CN" sz="3200" dirty="0" smtClean="0">
@@ -5695,10 +6170,6 @@
               </a:rPr>
               <a:t>	</a:t>
             </a:r>
-            <a:endParaRPr lang="en-US" altLang="zh-CN" sz="3200" dirty="0" smtClean="0">
-              <a:latin typeface="宋体" panose="02010600030101010101" pitchFamily="2" charset="-122"/>
-              <a:ea typeface="宋体" panose="02010600030101010101" pitchFamily="2" charset="-122"/>
-            </a:endParaRPr>
           </a:p>
         </p:txBody>
       </p:sp>
@@ -5757,19 +6228,15 @@
             <a:pPr algn="l"/>
             <a:r>
               <a:rPr lang="en-US" altLang="zh-CN" dirty="0" smtClean="0"/>
-              <a:t>5</a:t>
+              <a:t>4</a:t>
             </a:r>
             <a:r>
               <a:rPr lang="zh-CN" altLang="en-US" dirty="0" smtClean="0"/>
-              <a:t>、附</a:t>
+              <a:t>、横竖屏切换</a:t>
             </a:r>
             <a:r>
               <a:rPr lang="en-US" altLang="zh-CN" dirty="0" smtClean="0"/>
-              <a:t>demo</a:t>
-            </a:r>
-            <a:r>
-              <a:rPr lang="zh-CN" altLang="en-US" dirty="0" smtClean="0"/>
-              <a:t>地址</a:t>
+              <a:t/>
             </a:r>
             <a:br>
               <a:rPr lang="en-US" altLang="zh-CN" dirty="0" smtClean="0"/>
@@ -5779,11 +6246,18 @@
               <a:t>	</a:t>
             </a:r>
             <a:r>
-              <a:rPr lang="en-US" altLang="zh-CN" dirty="0" smtClean="0">
-                <a:latin typeface="宋体" panose="02010600030101010101" pitchFamily="2" charset="-122"/>
-                <a:ea typeface="宋体" panose="02010600030101010101" pitchFamily="2" charset="-122"/>
-              </a:rPr>
-              <a:t>https://github.com/zqmao/LifeCycle</a:t>
+              <a:rPr lang="en-US" sz="3200" dirty="0" smtClean="0">
+                <a:latin typeface="宋体" panose="02010600030101010101" pitchFamily="2" charset="-122"/>
+                <a:ea typeface="宋体" panose="02010600030101010101" pitchFamily="2" charset="-122"/>
+              </a:rPr>
+              <a:t>2,以bindService的方法开启Service，横竖屏切换的时候，会因为绑定服务端（Service）的客户端（Activity）会被销毁。但是如果客户端配置了android:configChanges，使得客户端只会执行onConfigurationChanged的话，那么Service也就只会执行onConfigurationChanged了。</a:t>
+            </a:r>
+            <a:r>
+              <a:rPr lang="en-US" altLang="zh-CN" sz="3200" dirty="0" smtClean="0">
+                <a:latin typeface="宋体" panose="02010600030101010101" pitchFamily="2" charset="-122"/>
+                <a:ea typeface="宋体" panose="02010600030101010101" pitchFamily="2" charset="-122"/>
+              </a:rPr>
+              <a:t/>
             </a:r>
             <a:br>
               <a:rPr lang="en-US" altLang="zh-CN" sz="3200" dirty="0" smtClean="0">
@@ -5798,10 +6272,6 @@
               </a:rPr>
               <a:t>	</a:t>
             </a:r>
-            <a:endParaRPr lang="en-US" altLang="zh-CN" sz="3200" dirty="0" smtClean="0">
-              <a:latin typeface="宋体" panose="02010600030101010101" pitchFamily="2" charset="-122"/>
-              <a:ea typeface="宋体" panose="02010600030101010101" pitchFamily="2" charset="-122"/>
-            </a:endParaRPr>
           </a:p>
         </p:txBody>
       </p:sp>
@@ -5874,17 +6344,24 @@
               <a:rPr lang="zh-CN" altLang="en-US" sz="4800" dirty="0" smtClean="0"/>
               <a:t>的创建</a:t>
             </a:r>
-            <a:br>
+            <a:r>
               <a:rPr lang="zh-CN" altLang="en-US" dirty="0" smtClean="0">
                 <a:latin typeface="华文楷体" pitchFamily="2" charset="-122"/>
                 <a:ea typeface="华文楷体" pitchFamily="2" charset="-122"/>
               </a:rPr>
-            </a:br>
-            <a:r>
+              <a:t/>
+            </a:r>
+            <a:br>
               <a:rPr lang="zh-CN" altLang="en-US" dirty="0" smtClean="0">
                 <a:latin typeface="华文楷体" pitchFamily="2" charset="-122"/>
                 <a:ea typeface="华文楷体" pitchFamily="2" charset="-122"/>
               </a:rPr>
+            </a:br>
+            <a:r>
+              <a:rPr lang="zh-CN" altLang="en-US" dirty="0" smtClean="0">
+                <a:latin typeface="华文楷体" pitchFamily="2" charset="-122"/>
+                <a:ea typeface="华文楷体" pitchFamily="2" charset="-122"/>
+              </a:rPr>
               <a:t>	</a:t>
             </a:r>
             <a:r>
@@ -5947,10 +6424,226 @@
               </a:rPr>
               <a:t>中一些基本属性（layout_width，layout_height，scaleType，gravity）</a:t>
             </a:r>
-            <a:br>
+            <a:r>
               <a:rPr lang="en-US" altLang="zh-CN" dirty="0" smtClean="0"/>
+              <a:t/>
+            </a:r>
+            <a:br>
+              <a:rPr lang="en-US" altLang="zh-CN" dirty="0" smtClean="0"/>
             </a:br>
             <a:endParaRPr lang="en-US" altLang="zh-CN" sz="3200" dirty="0" smtClean="0"/>
+          </a:p>
+        </p:txBody>
+      </p:sp>
+    </p:spTree>
+  </p:cSld>
+  <p:clrMapOvr>
+    <a:masterClrMapping/>
+  </p:clrMapOvr>
+  <p:timing>
+    <p:tnLst>
+      <p:par>
+        <p:cTn id="1" dur="indefinite" restart="never" nodeType="tmRoot"/>
+      </p:par>
+    </p:tnLst>
+  </p:timing>
+</p:sld>
+</file>
+
+<file path=ppt/slides/slide30.xml><?xml version="1.0" encoding="utf-8"?>
+<p:sld xmlns:a="http://schemas.openxmlformats.org/drawingml/2006/main" xmlns:r="http://schemas.openxmlformats.org/officeDocument/2006/relationships" xmlns:p="http://schemas.openxmlformats.org/presentationml/2006/main">
+  <p:cSld>
+    <p:spTree>
+      <p:nvGrpSpPr>
+        <p:cNvPr id="1" name=""/>
+        <p:cNvGrpSpPr/>
+        <p:nvPr/>
+      </p:nvGrpSpPr>
+      <p:grpSpPr>
+        <a:xfrm>
+          <a:off x="0" y="0"/>
+          <a:ext cx="0" cy="0"/>
+          <a:chOff x="0" y="0"/>
+          <a:chExt cx="0" cy="0"/>
+        </a:xfrm>
+      </p:grpSpPr>
+      <p:sp>
+        <p:nvSpPr>
+          <p:cNvPr id="2" name="标题 1"/>
+          <p:cNvSpPr>
+            <a:spLocks noGrp="1"/>
+          </p:cNvSpPr>
+          <p:nvPr>
+            <p:ph type="ctrTitle"/>
+          </p:nvPr>
+        </p:nvSpPr>
+        <p:spPr>
+          <a:xfrm>
+            <a:off x="685800" y="1916832"/>
+            <a:ext cx="7918648" cy="3816424"/>
+          </a:xfrm>
+        </p:spPr>
+        <p:txBody>
+          <a:bodyPr/>
+          <a:lstStyle/>
+          <a:p>
+            <a:pPr algn="l"/>
+            <a:r>
+              <a:rPr lang="en-US" altLang="zh-CN" dirty="0" smtClean="0"/>
+              <a:t>4</a:t>
+            </a:r>
+            <a:r>
+              <a:rPr lang="zh-CN" altLang="en-US" dirty="0" smtClean="0"/>
+              <a:t>、横竖屏切换</a:t>
+            </a:r>
+            <a:r>
+              <a:rPr lang="en-US" altLang="zh-CN" dirty="0" smtClean="0"/>
+              <a:t/>
+            </a:r>
+            <a:br>
+              <a:rPr lang="en-US" altLang="zh-CN" dirty="0" smtClean="0"/>
+            </a:br>
+            <a:r>
+              <a:rPr lang="en-US" altLang="zh-CN" dirty="0" smtClean="0"/>
+              <a:t>	</a:t>
+            </a:r>
+            <a:r>
+              <a:rPr lang="en-US" sz="3200" dirty="0" smtClean="0">
+                <a:latin typeface="宋体" panose="02010600030101010101" pitchFamily="2" charset="-122"/>
+                <a:ea typeface="宋体" panose="02010600030101010101" pitchFamily="2" charset="-122"/>
+              </a:rPr>
+              <a:t>3,以startService的方法开启Service，横竖屏切换的时候，只会收到onConfigurationChanged事件，其他的回调，都不会执行</a:t>
+            </a:r>
+            <a:r>
+              <a:rPr lang="en-US" altLang="zh-CN" sz="3200" dirty="0" smtClean="0">
+                <a:latin typeface="宋体" panose="02010600030101010101" pitchFamily="2" charset="-122"/>
+                <a:ea typeface="宋体" panose="02010600030101010101" pitchFamily="2" charset="-122"/>
+              </a:rPr>
+              <a:t/>
+            </a:r>
+            <a:br>
+              <a:rPr lang="en-US" altLang="zh-CN" sz="3200" dirty="0" smtClean="0">
+                <a:latin typeface="宋体" panose="02010600030101010101" pitchFamily="2" charset="-122"/>
+                <a:ea typeface="宋体" panose="02010600030101010101" pitchFamily="2" charset="-122"/>
+              </a:rPr>
+            </a:br>
+            <a:r>
+              <a:rPr lang="en-US" altLang="zh-CN" sz="3200" dirty="0" smtClean="0">
+                <a:latin typeface="宋体" panose="02010600030101010101" pitchFamily="2" charset="-122"/>
+                <a:ea typeface="宋体" panose="02010600030101010101" pitchFamily="2" charset="-122"/>
+              </a:rPr>
+              <a:t>	</a:t>
+            </a:r>
+          </a:p>
+        </p:txBody>
+      </p:sp>
+    </p:spTree>
+  </p:cSld>
+  <p:clrMapOvr>
+    <a:masterClrMapping/>
+  </p:clrMapOvr>
+  <p:timing>
+    <p:tnLst>
+      <p:par>
+        <p:cTn id="1" dur="indefinite" restart="never" nodeType="tmRoot"/>
+      </p:par>
+    </p:tnLst>
+  </p:timing>
+</p:sld>
+</file>
+
+<file path=ppt/slides/slide31.xml><?xml version="1.0" encoding="utf-8"?>
+<p:sld xmlns:a="http://schemas.openxmlformats.org/drawingml/2006/main" xmlns:r="http://schemas.openxmlformats.org/officeDocument/2006/relationships" xmlns:p="http://schemas.openxmlformats.org/presentationml/2006/main">
+  <p:cSld>
+    <p:spTree>
+      <p:nvGrpSpPr>
+        <p:cNvPr id="1" name=""/>
+        <p:cNvGrpSpPr/>
+        <p:nvPr/>
+      </p:nvGrpSpPr>
+      <p:grpSpPr>
+        <a:xfrm>
+          <a:off x="0" y="0"/>
+          <a:ext cx="0" cy="0"/>
+          <a:chOff x="0" y="0"/>
+          <a:chExt cx="0" cy="0"/>
+        </a:xfrm>
+      </p:grpSpPr>
+      <p:sp>
+        <p:nvSpPr>
+          <p:cNvPr id="2" name="标题 1"/>
+          <p:cNvSpPr>
+            <a:spLocks noGrp="1"/>
+          </p:cNvSpPr>
+          <p:nvPr>
+            <p:ph type="ctrTitle"/>
+          </p:nvPr>
+        </p:nvSpPr>
+        <p:spPr>
+          <a:xfrm>
+            <a:off x="685800" y="1916832"/>
+            <a:ext cx="7918648" cy="3816424"/>
+          </a:xfrm>
+        </p:spPr>
+        <p:txBody>
+          <a:bodyPr/>
+          <a:lstStyle/>
+          <a:p>
+            <a:pPr algn="l"/>
+            <a:r>
+              <a:rPr lang="en-US" altLang="zh-CN" dirty="0" smtClean="0"/>
+              <a:t>5</a:t>
+            </a:r>
+            <a:r>
+              <a:rPr lang="zh-CN" altLang="en-US" dirty="0" smtClean="0"/>
+              <a:t>、附</a:t>
+            </a:r>
+            <a:r>
+              <a:rPr lang="en-US" altLang="zh-CN" dirty="0" smtClean="0"/>
+              <a:t>demo</a:t>
+            </a:r>
+            <a:r>
+              <a:rPr lang="zh-CN" altLang="en-US" dirty="0" smtClean="0"/>
+              <a:t>地址</a:t>
+            </a:r>
+            <a:r>
+              <a:rPr lang="en-US" altLang="zh-CN" dirty="0" smtClean="0"/>
+              <a:t/>
+            </a:r>
+            <a:br>
+              <a:rPr lang="en-US" altLang="zh-CN" dirty="0" smtClean="0"/>
+            </a:br>
+            <a:r>
+              <a:rPr lang="en-US" altLang="zh-CN" dirty="0" smtClean="0"/>
+              <a:t>	</a:t>
+            </a:r>
+            <a:r>
+              <a:rPr lang="en-US" altLang="zh-CN" dirty="0" smtClean="0">
+                <a:latin typeface="宋体" panose="02010600030101010101" pitchFamily="2" charset="-122"/>
+                <a:ea typeface="宋体" panose="02010600030101010101" pitchFamily="2" charset="-122"/>
+              </a:rPr>
+              <a:t>https://github.com/zqmao/LifeCycle</a:t>
+            </a:r>
+            <a:r>
+              <a:rPr lang="en-US" altLang="zh-CN" sz="3200" dirty="0" smtClean="0">
+                <a:latin typeface="宋体" panose="02010600030101010101" pitchFamily="2" charset="-122"/>
+                <a:ea typeface="宋体" panose="02010600030101010101" pitchFamily="2" charset="-122"/>
+              </a:rPr>
+              <a:t/>
+            </a:r>
+            <a:br>
+              <a:rPr lang="en-US" altLang="zh-CN" sz="3200" dirty="0" smtClean="0">
+                <a:latin typeface="宋体" panose="02010600030101010101" pitchFamily="2" charset="-122"/>
+                <a:ea typeface="宋体" panose="02010600030101010101" pitchFamily="2" charset="-122"/>
+              </a:rPr>
+            </a:br>
+            <a:r>
+              <a:rPr lang="en-US" altLang="zh-CN" sz="3200" dirty="0" smtClean="0">
+                <a:latin typeface="宋体" panose="02010600030101010101" pitchFamily="2" charset="-122"/>
+                <a:ea typeface="宋体" panose="02010600030101010101" pitchFamily="2" charset="-122"/>
+              </a:rPr>
+              <a:t>	</a:t>
+            </a:r>
           </a:p>
         </p:txBody>
       </p:sp>
@@ -6015,6 +6708,10 @@
               <a:rPr lang="zh-CN" altLang="en-US" sz="4800" dirty="0" smtClean="0"/>
               <a:t>、跳转页面</a:t>
             </a:r>
+            <a:r>
+              <a:rPr lang="en-US" altLang="zh-CN" dirty="0" smtClean="0"/>
+              <a:t/>
+            </a:r>
             <a:br>
               <a:rPr lang="en-US" altLang="zh-CN" dirty="0" smtClean="0"/>
             </a:br>
@@ -6042,10 +6739,6 @@
               </a:rPr>
               <a:t>	</a:t>
             </a:r>
-            <a:endParaRPr lang="en-US" altLang="zh-CN" sz="3200" dirty="0" smtClean="0">
-              <a:latin typeface="宋体" panose="02010600030101010101" pitchFamily="2" charset="-122"/>
-              <a:ea typeface="宋体" panose="02010600030101010101" pitchFamily="2" charset="-122"/>
-            </a:endParaRPr>
           </a:p>
         </p:txBody>
       </p:sp>
@@ -6110,6 +6803,10 @@
               <a:rPr lang="zh-CN" altLang="en-US" sz="4800" dirty="0" smtClean="0"/>
               <a:t>、跳转页面</a:t>
             </a:r>
+            <a:r>
+              <a:rPr lang="en-US" altLang="zh-CN" dirty="0" smtClean="0"/>
+              <a:t/>
+            </a:r>
             <a:br>
               <a:rPr lang="en-US" altLang="zh-CN" dirty="0" smtClean="0"/>
             </a:br>
@@ -6172,6 +6869,13 @@
               </a:rPr>
               <a:t>参考：http://blog.csdn.net/chaoyue0071/article/details/46744787</a:t>
             </a:r>
+            <a:r>
+              <a:rPr lang="en-US" altLang="zh-CN" sz="3200" dirty="0" smtClean="0">
+                <a:latin typeface="宋体" panose="02010600030101010101" pitchFamily="2" charset="-122"/>
+                <a:ea typeface="宋体" panose="02010600030101010101" pitchFamily="2" charset="-122"/>
+              </a:rPr>
+              <a:t/>
+            </a:r>
             <a:br>
               <a:rPr lang="en-US" altLang="zh-CN" sz="3200" dirty="0" smtClean="0">
                 <a:latin typeface="宋体" panose="02010600030101010101" pitchFamily="2" charset="-122"/>
@@ -6185,10 +6889,6 @@
               </a:rPr>
               <a:t>	</a:t>
             </a:r>
-            <a:endParaRPr lang="en-US" altLang="zh-CN" sz="3200" dirty="0" smtClean="0">
-              <a:latin typeface="宋体" panose="02010600030101010101" pitchFamily="2" charset="-122"/>
-              <a:ea typeface="宋体" panose="02010600030101010101" pitchFamily="2" charset="-122"/>
-            </a:endParaRPr>
           </a:p>
         </p:txBody>
       </p:sp>
@@ -6253,6 +6953,10 @@
               <a:rPr lang="zh-CN" altLang="en-US" sz="4800" dirty="0" smtClean="0"/>
               <a:t>、跳转页面</a:t>
             </a:r>
+            <a:r>
+              <a:rPr lang="en-US" altLang="zh-CN" dirty="0" smtClean="0"/>
+              <a:t/>
+            </a:r>
             <a:br>
               <a:rPr lang="en-US" altLang="zh-CN" dirty="0" smtClean="0"/>
             </a:br>
@@ -6265,14 +6969,7 @@
                 <a:latin typeface="宋体" panose="02010600030101010101" pitchFamily="2" charset="-122"/>
                 <a:ea typeface="宋体" panose="02010600030101010101" pitchFamily="2" charset="-122"/>
               </a:rPr>
-              <a:t>3</a:t>
-            </a:r>
-            <a:r>
-              <a:rPr lang="en-US" altLang="zh-CN" sz="3200" dirty="0" smtClean="0">
-                <a:latin typeface="宋体" panose="02010600030101010101" pitchFamily="2" charset="-122"/>
-                <a:ea typeface="宋体" panose="02010600030101010101" pitchFamily="2" charset="-122"/>
-              </a:rPr>
-              <a:t>&gt;Activity</a:t>
+              <a:t>3&gt;Activity</a:t>
             </a:r>
             <a:r>
               <a:rPr lang="zh-CN" altLang="en-US" sz="3200" dirty="0" smtClean="0">
@@ -6297,6 +6994,13 @@
               </a:rPr>
               <a:t>onNewIntent</a:t>
             </a:r>
+            <a:r>
+              <a:rPr lang="en-US" altLang="zh-CN" sz="3200" dirty="0" smtClean="0">
+                <a:latin typeface="宋体" panose="02010600030101010101" pitchFamily="2" charset="-122"/>
+                <a:ea typeface="宋体" panose="02010600030101010101" pitchFamily="2" charset="-122"/>
+              </a:rPr>
+              <a:t/>
+            </a:r>
             <a:br>
               <a:rPr lang="en-US" altLang="zh-CN" sz="3200" dirty="0" smtClean="0">
                 <a:latin typeface="宋体" panose="02010600030101010101" pitchFamily="2" charset="-122"/>
@@ -6310,10 +7014,6 @@
               </a:rPr>
               <a:t>	</a:t>
             </a:r>
-            <a:endParaRPr lang="en-US" altLang="zh-CN" sz="3200" dirty="0" smtClean="0">
-              <a:latin typeface="宋体" panose="02010600030101010101" pitchFamily="2" charset="-122"/>
-              <a:ea typeface="宋体" panose="02010600030101010101" pitchFamily="2" charset="-122"/>
-            </a:endParaRPr>
           </a:p>
         </p:txBody>
       </p:sp>
@@ -6378,6 +7078,10 @@
               <a:rPr lang="zh-CN" altLang="en-US" sz="4800" dirty="0" smtClean="0"/>
               <a:t>、跳转页面</a:t>
             </a:r>
+            <a:r>
+              <a:rPr lang="en-US" altLang="zh-CN" dirty="0" smtClean="0"/>
+              <a:t/>
+            </a:r>
             <a:br>
               <a:rPr lang="en-US" altLang="zh-CN" dirty="0" smtClean="0"/>
             </a:br>
@@ -6425,14 +7129,14 @@
                 <a:latin typeface="宋体" panose="02010600030101010101" pitchFamily="2" charset="-122"/>
                 <a:ea typeface="宋体" panose="02010600030101010101" pitchFamily="2" charset="-122"/>
               </a:rPr>
-              <a:t>以后orientation|screenSize。才能监听onConfigurationChanged</a:t>
-            </a:r>
-            <a:r>
-              <a:rPr lang="zh-CN" altLang="en-US" sz="3200" dirty="0" smtClean="0">
-                <a:latin typeface="宋体" panose="02010600030101010101" pitchFamily="2" charset="-122"/>
-                <a:ea typeface="宋体" panose="02010600030101010101" pitchFamily="2" charset="-122"/>
-              </a:rPr>
-              <a:t>）</a:t>
+              <a:t>以后orientation|screenSize。才能监听onConfigurationChanged）</a:t>
+            </a:r>
+            <a:r>
+              <a:rPr lang="en-US" altLang="zh-CN" sz="3200" dirty="0" smtClean="0">
+                <a:latin typeface="宋体" panose="02010600030101010101" pitchFamily="2" charset="-122"/>
+                <a:ea typeface="宋体" panose="02010600030101010101" pitchFamily="2" charset="-122"/>
+              </a:rPr>
+              <a:t/>
             </a:r>
             <a:br>
               <a:rPr lang="en-US" altLang="zh-CN" sz="3200" dirty="0" smtClean="0">
@@ -6447,10 +7151,6 @@
               </a:rPr>
               <a:t>	</a:t>
             </a:r>
-            <a:endParaRPr lang="en-US" altLang="zh-CN" sz="3200" dirty="0" smtClean="0">
-              <a:latin typeface="宋体" panose="02010600030101010101" pitchFamily="2" charset="-122"/>
-              <a:ea typeface="宋体" panose="02010600030101010101" pitchFamily="2" charset="-122"/>
-            </a:endParaRPr>
           </a:p>
         </p:txBody>
       </p:sp>
@@ -6515,6 +7215,10 @@
               <a:rPr lang="zh-CN" altLang="en-US" sz="4800" dirty="0" smtClean="0"/>
               <a:t>、跳转页面</a:t>
             </a:r>
+            <a:r>
+              <a:rPr lang="en-US" altLang="zh-CN" dirty="0" smtClean="0"/>
+              <a:t/>
+            </a:r>
             <a:br>
               <a:rPr lang="en-US" altLang="zh-CN" dirty="0" smtClean="0"/>
             </a:br>
@@ -6562,6 +7266,13 @@
               </a:rPr>
               <a:t>http://m.jb51.net/article/56043.htm</a:t>
             </a:r>
+            <a:r>
+              <a:rPr lang="en-US" altLang="zh-CN" sz="3200" dirty="0" smtClean="0">
+                <a:latin typeface="宋体" panose="02010600030101010101" pitchFamily="2" charset="-122"/>
+                <a:ea typeface="宋体" panose="02010600030101010101" pitchFamily="2" charset="-122"/>
+              </a:rPr>
+              <a:t/>
+            </a:r>
             <a:br>
               <a:rPr lang="en-US" altLang="zh-CN" sz="3200" dirty="0" smtClean="0">
                 <a:latin typeface="宋体" panose="02010600030101010101" pitchFamily="2" charset="-122"/>
@@ -6575,10 +7286,6 @@
               </a:rPr>
               <a:t>	</a:t>
             </a:r>
-            <a:endParaRPr lang="en-US" altLang="zh-CN" sz="3200" dirty="0" smtClean="0">
-              <a:latin typeface="宋体" panose="02010600030101010101" pitchFamily="2" charset="-122"/>
-              <a:ea typeface="宋体" panose="02010600030101010101" pitchFamily="2" charset="-122"/>
-            </a:endParaRPr>
           </a:p>
         </p:txBody>
       </p:sp>
@@ -6643,6 +7350,10 @@
               <a:rPr lang="zh-CN" altLang="en-US" sz="4800" dirty="0" smtClean="0"/>
               <a:t>、生命周期</a:t>
             </a:r>
+            <a:r>
+              <a:rPr lang="en-US" altLang="zh-CN" dirty="0" smtClean="0"/>
+              <a:t/>
+            </a:r>
             <a:br>
               <a:rPr lang="en-US" altLang="zh-CN" dirty="0" smtClean="0"/>
             </a:br>
@@ -6650,6 +7361,13 @@
               <a:rPr lang="en-US" altLang="zh-CN" dirty="0" smtClean="0"/>
               <a:t>	</a:t>
             </a:r>
+            <a:r>
+              <a:rPr lang="en-US" altLang="zh-CN" sz="3200" dirty="0" smtClean="0">
+                <a:latin typeface="宋体" panose="02010600030101010101" pitchFamily="2" charset="-122"/>
+                <a:ea typeface="宋体" panose="02010600030101010101" pitchFamily="2" charset="-122"/>
+              </a:rPr>
+              <a:t/>
+            </a:r>
             <a:br>
               <a:rPr lang="en-US" altLang="zh-CN" sz="3200" dirty="0" smtClean="0">
                 <a:latin typeface="宋体" panose="02010600030101010101" pitchFamily="2" charset="-122"/>
@@ -6663,10 +7381,6 @@
               </a:rPr>
               <a:t>	</a:t>
             </a:r>
-            <a:endParaRPr lang="en-US" altLang="zh-CN" sz="3200" dirty="0" smtClean="0">
-              <a:latin typeface="宋体" panose="02010600030101010101" pitchFamily="2" charset="-122"/>
-              <a:ea typeface="宋体" panose="02010600030101010101" pitchFamily="2" charset="-122"/>
-            </a:endParaRPr>
           </a:p>
         </p:txBody>
       </p:sp>
@@ -6679,7 +7393,7 @@
           <p:nvPr/>
         </p:nvPicPr>
         <p:blipFill>
-          <a:blip r:embed="rId1"/>
+          <a:blip r:embed="rId2"/>
           <a:stretch>
             <a:fillRect/>
           </a:stretch>
